--- a/Presentations/Nhóm 09-Mẫu Prototype.pptx
+++ b/Presentations/Nhóm 09-Mẫu Prototype.pptx
@@ -6,10 +6,10 @@
     <p:sldMasterId id="2147483986" r:id="rId2"/>
   </p:sldMasterIdLst>
   <p:notesMasterIdLst>
-    <p:notesMasterId r:id="rId17"/>
+    <p:notesMasterId r:id="rId22"/>
   </p:notesMasterIdLst>
   <p:handoutMasterIdLst>
-    <p:handoutMasterId r:id="rId18"/>
+    <p:handoutMasterId r:id="rId23"/>
   </p:handoutMasterIdLst>
   <p:sldIdLst>
     <p:sldId id="256" r:id="rId3"/>
@@ -20,12 +20,17 @@
     <p:sldId id="766" r:id="rId8"/>
     <p:sldId id="767" r:id="rId9"/>
     <p:sldId id="761" r:id="rId10"/>
-    <p:sldId id="762" r:id="rId11"/>
-    <p:sldId id="768" r:id="rId12"/>
-    <p:sldId id="756" r:id="rId13"/>
-    <p:sldId id="757" r:id="rId14"/>
-    <p:sldId id="758" r:id="rId15"/>
-    <p:sldId id="763" r:id="rId16"/>
+    <p:sldId id="769" r:id="rId11"/>
+    <p:sldId id="770" r:id="rId12"/>
+    <p:sldId id="771" r:id="rId13"/>
+    <p:sldId id="772" r:id="rId14"/>
+    <p:sldId id="773" r:id="rId15"/>
+    <p:sldId id="762" r:id="rId16"/>
+    <p:sldId id="768" r:id="rId17"/>
+    <p:sldId id="756" r:id="rId18"/>
+    <p:sldId id="757" r:id="rId19"/>
+    <p:sldId id="758" r:id="rId20"/>
+    <p:sldId id="763" r:id="rId21"/>
   </p:sldIdLst>
   <p:sldSz cx="9144000" cy="6858000" type="screen4x3"/>
   <p:notesSz cx="9872663" cy="6797675"/>
@@ -520,7 +525,7 @@
               <a:pPr>
                 <a:defRPr/>
               </a:pPr>
-              <a:t>04/03/2024</a:t>
+              <a:t>07/03/2024</a:t>
             </a:fld>
             <a:endParaRPr lang="vi-VN"/>
           </a:p>
@@ -6535,6 +6540,2872 @@
         <p:cNvPr id="1" name="">
           <a:extLst>
             <a:ext uri="{FF2B5EF4-FFF2-40B4-BE49-F238E27FC236}">
+              <a16:creationId xmlns:a16="http://schemas.microsoft.com/office/drawing/2014/main" id="{3933434F-5078-E742-A285-432789336199}"/>
+            </a:ext>
+          </a:extLst>
+        </p:cNvPr>
+        <p:cNvGrpSpPr/>
+        <p:nvPr/>
+      </p:nvGrpSpPr>
+      <p:grpSpPr>
+        <a:xfrm>
+          <a:off x="0" y="0"/>
+          <a:ext cx="0" cy="0"/>
+          <a:chOff x="0" y="0"/>
+          <a:chExt cx="0" cy="0"/>
+        </a:xfrm>
+      </p:grpSpPr>
+      <p:sp>
+        <p:nvSpPr>
+          <p:cNvPr id="9218" name="Rectangle 2">
+            <a:extLst>
+              <a:ext uri="{FF2B5EF4-FFF2-40B4-BE49-F238E27FC236}">
+                <a16:creationId xmlns:a16="http://schemas.microsoft.com/office/drawing/2014/main" id="{A504C230-D44B-396B-7DCD-A57EBCD76EC1}"/>
+              </a:ext>
+            </a:extLst>
+          </p:cNvPr>
+          <p:cNvSpPr>
+            <a:spLocks noGrp="1" noChangeArrowheads="1"/>
+          </p:cNvSpPr>
+          <p:nvPr>
+            <p:ph type="title"/>
+          </p:nvPr>
+        </p:nvSpPr>
+        <p:spPr bwMode="auto">
+          <a:xfrm>
+            <a:off x="457200" y="152400"/>
+            <a:ext cx="8686799" cy="685800"/>
+          </a:xfrm>
+          <a:noFill/>
+          <a:ln>
+            <a:miter lim="800000"/>
+            <a:headEnd/>
+            <a:tailEnd/>
+          </a:ln>
+        </p:spPr>
+        <p:txBody>
+          <a:bodyPr vert="horz" wrap="square" lIns="91440" tIns="45720" rIns="91440" bIns="45720" numCol="1" anchor="t" anchorCtr="0" compatLnSpc="1">
+            <a:prstTxWarp prst="textNoShape">
+              <a:avLst/>
+            </a:prstTxWarp>
+          </a:bodyPr>
+          <a:lstStyle/>
+          <a:p>
+            <a:pPr eaLnBrk="1" hangingPunct="1"/>
+            <a:r>
+              <a:rPr lang="en-US" sz="4000" b="1" dirty="0">
+                <a:solidFill>
+                  <a:schemeClr val="tx1"/>
+                </a:solidFill>
+                <a:cs typeface="Tahoma" charset="0"/>
+              </a:rPr>
+              <a:t>4. </a:t>
+            </a:r>
+            <a:r>
+              <a:rPr lang="en-US" sz="4000" b="1" dirty="0" err="1">
+                <a:solidFill>
+                  <a:schemeClr val="tx1"/>
+                </a:solidFill>
+                <a:cs typeface="Tahoma" charset="0"/>
+              </a:rPr>
+              <a:t>Ví</a:t>
+            </a:r>
+            <a:r>
+              <a:rPr lang="en-US" sz="4000" b="1" dirty="0">
+                <a:solidFill>
+                  <a:schemeClr val="tx1"/>
+                </a:solidFill>
+                <a:cs typeface="Tahoma" charset="0"/>
+              </a:rPr>
+              <a:t> </a:t>
+            </a:r>
+            <a:r>
+              <a:rPr lang="en-US" sz="4000" b="1" dirty="0" err="1">
+                <a:solidFill>
+                  <a:schemeClr val="tx1"/>
+                </a:solidFill>
+                <a:cs typeface="Tahoma" charset="0"/>
+              </a:rPr>
+              <a:t>dụ</a:t>
+            </a:r>
+            <a:endParaRPr lang="en-US" sz="4000" b="1" dirty="0">
+              <a:solidFill>
+                <a:schemeClr val="tx1"/>
+              </a:solidFill>
+              <a:cs typeface="Tahoma" charset="0"/>
+            </a:endParaRPr>
+          </a:p>
+        </p:txBody>
+      </p:sp>
+      <p:pic>
+        <p:nvPicPr>
+          <p:cNvPr id="5" name="Content Placeholder 4" descr="A screenshot of a computer program&#10;&#10;Description automatically generated">
+            <a:extLst>
+              <a:ext uri="{FF2B5EF4-FFF2-40B4-BE49-F238E27FC236}">
+                <a16:creationId xmlns:a16="http://schemas.microsoft.com/office/drawing/2014/main" id="{03D8A6A8-FEE5-4B73-852D-E86C3D5527D1}"/>
+              </a:ext>
+            </a:extLst>
+          </p:cNvPr>
+          <p:cNvPicPr>
+            <a:picLocks noGrp="1" noChangeAspect="1"/>
+          </p:cNvPicPr>
+          <p:nvPr>
+            <p:ph idx="1"/>
+          </p:nvPr>
+        </p:nvPicPr>
+        <p:blipFill>
+          <a:blip r:embed="rId2">
+            <a:extLst>
+              <a:ext uri="{28A0092B-C50C-407E-A947-70E740481C1C}">
+                <a14:useLocalDpi xmlns:a14="http://schemas.microsoft.com/office/drawing/2010/main" val="0"/>
+              </a:ext>
+            </a:extLst>
+          </a:blip>
+          <a:stretch>
+            <a:fillRect/>
+          </a:stretch>
+        </p:blipFill>
+        <p:spPr>
+          <a:xfrm>
+            <a:off x="1137331" y="1112838"/>
+            <a:ext cx="7250338" cy="5516562"/>
+          </a:xfrm>
+        </p:spPr>
+      </p:pic>
+    </p:spTree>
+    <p:extLst>
+      <p:ext uri="{BB962C8B-B14F-4D97-AF65-F5344CB8AC3E}">
+        <p14:creationId xmlns:p14="http://schemas.microsoft.com/office/powerpoint/2010/main" val="774069832"/>
+      </p:ext>
+    </p:extLst>
+  </p:cSld>
+  <p:clrMapOvr>
+    <a:masterClrMapping/>
+  </p:clrMapOvr>
+  <p:transition advClick="0">
+    <p:wheel spokes="1"/>
+  </p:transition>
+</p:sld>
+</file>
+
+<file path=ppt/slides/slide11.xml><?xml version="1.0" encoding="utf-8"?>
+<p:sld xmlns:a="http://schemas.openxmlformats.org/drawingml/2006/main" xmlns:r="http://schemas.openxmlformats.org/officeDocument/2006/relationships" xmlns:p="http://schemas.openxmlformats.org/presentationml/2006/main">
+  <p:cSld>
+    <p:spTree>
+      <p:nvGrpSpPr>
+        <p:cNvPr id="1" name="">
+          <a:extLst>
+            <a:ext uri="{FF2B5EF4-FFF2-40B4-BE49-F238E27FC236}">
+              <a16:creationId xmlns:a16="http://schemas.microsoft.com/office/drawing/2014/main" id="{3933434F-5078-E742-A285-432789336199}"/>
+            </a:ext>
+          </a:extLst>
+        </p:cNvPr>
+        <p:cNvGrpSpPr/>
+        <p:nvPr/>
+      </p:nvGrpSpPr>
+      <p:grpSpPr>
+        <a:xfrm>
+          <a:off x="0" y="0"/>
+          <a:ext cx="0" cy="0"/>
+          <a:chOff x="0" y="0"/>
+          <a:chExt cx="0" cy="0"/>
+        </a:xfrm>
+      </p:grpSpPr>
+      <p:sp>
+        <p:nvSpPr>
+          <p:cNvPr id="9218" name="Rectangle 2">
+            <a:extLst>
+              <a:ext uri="{FF2B5EF4-FFF2-40B4-BE49-F238E27FC236}">
+                <a16:creationId xmlns:a16="http://schemas.microsoft.com/office/drawing/2014/main" id="{A504C230-D44B-396B-7DCD-A57EBCD76EC1}"/>
+              </a:ext>
+            </a:extLst>
+          </p:cNvPr>
+          <p:cNvSpPr>
+            <a:spLocks noGrp="1" noChangeArrowheads="1"/>
+          </p:cNvSpPr>
+          <p:nvPr>
+            <p:ph type="title"/>
+          </p:nvPr>
+        </p:nvSpPr>
+        <p:spPr bwMode="auto">
+          <a:xfrm>
+            <a:off x="457200" y="152400"/>
+            <a:ext cx="8686799" cy="685800"/>
+          </a:xfrm>
+          <a:noFill/>
+          <a:ln>
+            <a:miter lim="800000"/>
+            <a:headEnd/>
+            <a:tailEnd/>
+          </a:ln>
+        </p:spPr>
+        <p:txBody>
+          <a:bodyPr vert="horz" wrap="square" lIns="91440" tIns="45720" rIns="91440" bIns="45720" numCol="1" anchor="t" anchorCtr="0" compatLnSpc="1">
+            <a:prstTxWarp prst="textNoShape">
+              <a:avLst/>
+            </a:prstTxWarp>
+          </a:bodyPr>
+          <a:lstStyle/>
+          <a:p>
+            <a:pPr eaLnBrk="1" hangingPunct="1"/>
+            <a:r>
+              <a:rPr lang="en-US" sz="4000" b="1" dirty="0">
+                <a:solidFill>
+                  <a:schemeClr val="tx1"/>
+                </a:solidFill>
+                <a:cs typeface="Tahoma" charset="0"/>
+              </a:rPr>
+              <a:t>4. </a:t>
+            </a:r>
+            <a:r>
+              <a:rPr lang="en-US" sz="4000" b="1" dirty="0" err="1">
+                <a:solidFill>
+                  <a:schemeClr val="tx1"/>
+                </a:solidFill>
+                <a:cs typeface="Tahoma" charset="0"/>
+              </a:rPr>
+              <a:t>Ví</a:t>
+            </a:r>
+            <a:r>
+              <a:rPr lang="en-US" sz="4000" b="1" dirty="0">
+                <a:solidFill>
+                  <a:schemeClr val="tx1"/>
+                </a:solidFill>
+                <a:cs typeface="Tahoma" charset="0"/>
+              </a:rPr>
+              <a:t> </a:t>
+            </a:r>
+            <a:r>
+              <a:rPr lang="en-US" sz="4000" b="1" dirty="0" err="1">
+                <a:solidFill>
+                  <a:schemeClr val="tx1"/>
+                </a:solidFill>
+                <a:cs typeface="Tahoma" charset="0"/>
+              </a:rPr>
+              <a:t>dụ</a:t>
+            </a:r>
+            <a:endParaRPr lang="en-US" sz="4000" b="1" dirty="0">
+              <a:solidFill>
+                <a:schemeClr val="tx1"/>
+              </a:solidFill>
+              <a:cs typeface="Tahoma" charset="0"/>
+            </a:endParaRPr>
+          </a:p>
+        </p:txBody>
+      </p:sp>
+      <p:pic>
+        <p:nvPicPr>
+          <p:cNvPr id="6" name="Content Placeholder 5" descr="A screen shot of a computer program&#10;&#10;Description automatically generated">
+            <a:extLst>
+              <a:ext uri="{FF2B5EF4-FFF2-40B4-BE49-F238E27FC236}">
+                <a16:creationId xmlns:a16="http://schemas.microsoft.com/office/drawing/2014/main" id="{2A9B9426-DBC4-626A-2D66-A5766037CBDB}"/>
+              </a:ext>
+            </a:extLst>
+          </p:cNvPr>
+          <p:cNvPicPr>
+            <a:picLocks noGrp="1" noChangeAspect="1"/>
+          </p:cNvPicPr>
+          <p:nvPr>
+            <p:ph idx="1"/>
+          </p:nvPr>
+        </p:nvPicPr>
+        <p:blipFill>
+          <a:blip r:embed="rId2">
+            <a:extLst>
+              <a:ext uri="{28A0092B-C50C-407E-A947-70E740481C1C}">
+                <a14:useLocalDpi xmlns:a14="http://schemas.microsoft.com/office/drawing/2010/main" val="0"/>
+              </a:ext>
+            </a:extLst>
+          </a:blip>
+          <a:stretch>
+            <a:fillRect/>
+          </a:stretch>
+        </p:blipFill>
+        <p:spPr>
+          <a:xfrm>
+            <a:off x="533400" y="1120725"/>
+            <a:ext cx="8458200" cy="5500787"/>
+          </a:xfrm>
+        </p:spPr>
+      </p:pic>
+    </p:spTree>
+    <p:extLst>
+      <p:ext uri="{BB962C8B-B14F-4D97-AF65-F5344CB8AC3E}">
+        <p14:creationId xmlns:p14="http://schemas.microsoft.com/office/powerpoint/2010/main" val="1872412362"/>
+      </p:ext>
+    </p:extLst>
+  </p:cSld>
+  <p:clrMapOvr>
+    <a:masterClrMapping/>
+  </p:clrMapOvr>
+  <p:transition advClick="0">
+    <p:wheel spokes="1"/>
+  </p:transition>
+</p:sld>
+</file>
+
+<file path=ppt/slides/slide12.xml><?xml version="1.0" encoding="utf-8"?>
+<p:sld xmlns:a="http://schemas.openxmlformats.org/drawingml/2006/main" xmlns:r="http://schemas.openxmlformats.org/officeDocument/2006/relationships" xmlns:p="http://schemas.openxmlformats.org/presentationml/2006/main">
+  <p:cSld>
+    <p:spTree>
+      <p:nvGrpSpPr>
+        <p:cNvPr id="1" name="">
+          <a:extLst>
+            <a:ext uri="{FF2B5EF4-FFF2-40B4-BE49-F238E27FC236}">
+              <a16:creationId xmlns:a16="http://schemas.microsoft.com/office/drawing/2014/main" id="{3933434F-5078-E742-A285-432789336199}"/>
+            </a:ext>
+          </a:extLst>
+        </p:cNvPr>
+        <p:cNvGrpSpPr/>
+        <p:nvPr/>
+      </p:nvGrpSpPr>
+      <p:grpSpPr>
+        <a:xfrm>
+          <a:off x="0" y="0"/>
+          <a:ext cx="0" cy="0"/>
+          <a:chOff x="0" y="0"/>
+          <a:chExt cx="0" cy="0"/>
+        </a:xfrm>
+      </p:grpSpPr>
+      <p:sp>
+        <p:nvSpPr>
+          <p:cNvPr id="9218" name="Rectangle 2">
+            <a:extLst>
+              <a:ext uri="{FF2B5EF4-FFF2-40B4-BE49-F238E27FC236}">
+                <a16:creationId xmlns:a16="http://schemas.microsoft.com/office/drawing/2014/main" id="{A504C230-D44B-396B-7DCD-A57EBCD76EC1}"/>
+              </a:ext>
+            </a:extLst>
+          </p:cNvPr>
+          <p:cNvSpPr>
+            <a:spLocks noGrp="1" noChangeArrowheads="1"/>
+          </p:cNvSpPr>
+          <p:nvPr>
+            <p:ph type="title"/>
+          </p:nvPr>
+        </p:nvSpPr>
+        <p:spPr bwMode="auto">
+          <a:xfrm>
+            <a:off x="457200" y="152400"/>
+            <a:ext cx="8686799" cy="685800"/>
+          </a:xfrm>
+          <a:noFill/>
+          <a:ln>
+            <a:miter lim="800000"/>
+            <a:headEnd/>
+            <a:tailEnd/>
+          </a:ln>
+        </p:spPr>
+        <p:txBody>
+          <a:bodyPr vert="horz" wrap="square" lIns="91440" tIns="45720" rIns="91440" bIns="45720" numCol="1" anchor="t" anchorCtr="0" compatLnSpc="1">
+            <a:prstTxWarp prst="textNoShape">
+              <a:avLst/>
+            </a:prstTxWarp>
+          </a:bodyPr>
+          <a:lstStyle/>
+          <a:p>
+            <a:pPr eaLnBrk="1" hangingPunct="1"/>
+            <a:r>
+              <a:rPr lang="en-US" sz="4000" b="1" dirty="0">
+                <a:solidFill>
+                  <a:schemeClr val="tx1"/>
+                </a:solidFill>
+                <a:cs typeface="Tahoma" charset="0"/>
+              </a:rPr>
+              <a:t>4. </a:t>
+            </a:r>
+            <a:r>
+              <a:rPr lang="en-US" sz="4000" b="1" dirty="0" err="1">
+                <a:solidFill>
+                  <a:schemeClr val="tx1"/>
+                </a:solidFill>
+                <a:cs typeface="Tahoma" charset="0"/>
+              </a:rPr>
+              <a:t>Ví</a:t>
+            </a:r>
+            <a:r>
+              <a:rPr lang="en-US" sz="4000" b="1" dirty="0">
+                <a:solidFill>
+                  <a:schemeClr val="tx1"/>
+                </a:solidFill>
+                <a:cs typeface="Tahoma" charset="0"/>
+              </a:rPr>
+              <a:t> </a:t>
+            </a:r>
+            <a:r>
+              <a:rPr lang="en-US" sz="4000" b="1" dirty="0" err="1">
+                <a:solidFill>
+                  <a:schemeClr val="tx1"/>
+                </a:solidFill>
+                <a:cs typeface="Tahoma" charset="0"/>
+              </a:rPr>
+              <a:t>dụ</a:t>
+            </a:r>
+            <a:endParaRPr lang="en-US" sz="4000" b="1" dirty="0">
+              <a:solidFill>
+                <a:schemeClr val="tx1"/>
+              </a:solidFill>
+              <a:cs typeface="Tahoma" charset="0"/>
+            </a:endParaRPr>
+          </a:p>
+        </p:txBody>
+      </p:sp>
+      <p:pic>
+        <p:nvPicPr>
+          <p:cNvPr id="6" name="Content Placeholder 5" descr="A screen shot of a computer program&#10;&#10;Description automatically generated">
+            <a:extLst>
+              <a:ext uri="{FF2B5EF4-FFF2-40B4-BE49-F238E27FC236}">
+                <a16:creationId xmlns:a16="http://schemas.microsoft.com/office/drawing/2014/main" id="{3402E6A9-41C7-49D5-62B6-5E083D463DDE}"/>
+              </a:ext>
+            </a:extLst>
+          </p:cNvPr>
+          <p:cNvPicPr>
+            <a:picLocks noGrp="1" noChangeAspect="1"/>
+          </p:cNvPicPr>
+          <p:nvPr>
+            <p:ph idx="1"/>
+          </p:nvPr>
+        </p:nvPicPr>
+        <p:blipFill>
+          <a:blip r:embed="rId2">
+            <a:extLst>
+              <a:ext uri="{28A0092B-C50C-407E-A947-70E740481C1C}">
+                <a14:useLocalDpi xmlns:a14="http://schemas.microsoft.com/office/drawing/2010/main" val="0"/>
+              </a:ext>
+            </a:extLst>
+          </a:blip>
+          <a:stretch>
+            <a:fillRect/>
+          </a:stretch>
+        </p:blipFill>
+        <p:spPr>
+          <a:xfrm>
+            <a:off x="1070140" y="1112838"/>
+            <a:ext cx="7384720" cy="5516562"/>
+          </a:xfrm>
+        </p:spPr>
+      </p:pic>
+    </p:spTree>
+    <p:extLst>
+      <p:ext uri="{BB962C8B-B14F-4D97-AF65-F5344CB8AC3E}">
+        <p14:creationId xmlns:p14="http://schemas.microsoft.com/office/powerpoint/2010/main" val="3190040516"/>
+      </p:ext>
+    </p:extLst>
+  </p:cSld>
+  <p:clrMapOvr>
+    <a:masterClrMapping/>
+  </p:clrMapOvr>
+  <p:transition advClick="0">
+    <p:wheel spokes="1"/>
+  </p:transition>
+</p:sld>
+</file>
+
+<file path=ppt/slides/slide13.xml><?xml version="1.0" encoding="utf-8"?>
+<p:sld xmlns:a="http://schemas.openxmlformats.org/drawingml/2006/main" xmlns:r="http://schemas.openxmlformats.org/officeDocument/2006/relationships" xmlns:p="http://schemas.openxmlformats.org/presentationml/2006/main">
+  <p:cSld>
+    <p:spTree>
+      <p:nvGrpSpPr>
+        <p:cNvPr id="1" name="">
+          <a:extLst>
+            <a:ext uri="{FF2B5EF4-FFF2-40B4-BE49-F238E27FC236}">
+              <a16:creationId xmlns:a16="http://schemas.microsoft.com/office/drawing/2014/main" id="{3933434F-5078-E742-A285-432789336199}"/>
+            </a:ext>
+          </a:extLst>
+        </p:cNvPr>
+        <p:cNvGrpSpPr/>
+        <p:nvPr/>
+      </p:nvGrpSpPr>
+      <p:grpSpPr>
+        <a:xfrm>
+          <a:off x="0" y="0"/>
+          <a:ext cx="0" cy="0"/>
+          <a:chOff x="0" y="0"/>
+          <a:chExt cx="0" cy="0"/>
+        </a:xfrm>
+      </p:grpSpPr>
+      <p:sp>
+        <p:nvSpPr>
+          <p:cNvPr id="9218" name="Rectangle 2">
+            <a:extLst>
+              <a:ext uri="{FF2B5EF4-FFF2-40B4-BE49-F238E27FC236}">
+                <a16:creationId xmlns:a16="http://schemas.microsoft.com/office/drawing/2014/main" id="{A504C230-D44B-396B-7DCD-A57EBCD76EC1}"/>
+              </a:ext>
+            </a:extLst>
+          </p:cNvPr>
+          <p:cNvSpPr>
+            <a:spLocks noGrp="1" noChangeArrowheads="1"/>
+          </p:cNvSpPr>
+          <p:nvPr>
+            <p:ph type="title"/>
+          </p:nvPr>
+        </p:nvSpPr>
+        <p:spPr bwMode="auto">
+          <a:xfrm>
+            <a:off x="457200" y="152400"/>
+            <a:ext cx="8686799" cy="685800"/>
+          </a:xfrm>
+          <a:noFill/>
+          <a:ln>
+            <a:miter lim="800000"/>
+            <a:headEnd/>
+            <a:tailEnd/>
+          </a:ln>
+        </p:spPr>
+        <p:txBody>
+          <a:bodyPr vert="horz" wrap="square" lIns="91440" tIns="45720" rIns="91440" bIns="45720" numCol="1" anchor="t" anchorCtr="0" compatLnSpc="1">
+            <a:prstTxWarp prst="textNoShape">
+              <a:avLst/>
+            </a:prstTxWarp>
+          </a:bodyPr>
+          <a:lstStyle/>
+          <a:p>
+            <a:pPr eaLnBrk="1" hangingPunct="1"/>
+            <a:r>
+              <a:rPr lang="en-US" sz="4000" b="1" dirty="0">
+                <a:solidFill>
+                  <a:schemeClr val="tx1"/>
+                </a:solidFill>
+                <a:cs typeface="Tahoma" charset="0"/>
+              </a:rPr>
+              <a:t>4. </a:t>
+            </a:r>
+            <a:r>
+              <a:rPr lang="en-US" sz="4000" b="1" dirty="0" err="1">
+                <a:solidFill>
+                  <a:schemeClr val="tx1"/>
+                </a:solidFill>
+                <a:cs typeface="Tahoma" charset="0"/>
+              </a:rPr>
+              <a:t>Ví</a:t>
+            </a:r>
+            <a:r>
+              <a:rPr lang="en-US" sz="4000" b="1" dirty="0">
+                <a:solidFill>
+                  <a:schemeClr val="tx1"/>
+                </a:solidFill>
+                <a:cs typeface="Tahoma" charset="0"/>
+              </a:rPr>
+              <a:t> </a:t>
+            </a:r>
+            <a:r>
+              <a:rPr lang="en-US" sz="4000" b="1" dirty="0" err="1">
+                <a:solidFill>
+                  <a:schemeClr val="tx1"/>
+                </a:solidFill>
+                <a:cs typeface="Tahoma" charset="0"/>
+              </a:rPr>
+              <a:t>dụ</a:t>
+            </a:r>
+            <a:endParaRPr lang="en-US" sz="4000" b="1" dirty="0">
+              <a:solidFill>
+                <a:schemeClr val="tx1"/>
+              </a:solidFill>
+              <a:cs typeface="Tahoma" charset="0"/>
+            </a:endParaRPr>
+          </a:p>
+        </p:txBody>
+      </p:sp>
+      <p:pic>
+        <p:nvPicPr>
+          <p:cNvPr id="6" name="Content Placeholder 5" descr="A computer screen shot of a program&#10;&#10;Description automatically generated">
+            <a:extLst>
+              <a:ext uri="{FF2B5EF4-FFF2-40B4-BE49-F238E27FC236}">
+                <a16:creationId xmlns:a16="http://schemas.microsoft.com/office/drawing/2014/main" id="{52CC39B4-EFE5-7BEF-04A1-7858A90FE60D}"/>
+              </a:ext>
+            </a:extLst>
+          </p:cNvPr>
+          <p:cNvPicPr>
+            <a:picLocks noGrp="1" noChangeAspect="1"/>
+          </p:cNvPicPr>
+          <p:nvPr>
+            <p:ph idx="1"/>
+          </p:nvPr>
+        </p:nvPicPr>
+        <p:blipFill>
+          <a:blip r:embed="rId2">
+            <a:extLst>
+              <a:ext uri="{28A0092B-C50C-407E-A947-70E740481C1C}">
+                <a14:useLocalDpi xmlns:a14="http://schemas.microsoft.com/office/drawing/2010/main" val="0"/>
+              </a:ext>
+            </a:extLst>
+          </a:blip>
+          <a:stretch>
+            <a:fillRect/>
+          </a:stretch>
+        </p:blipFill>
+        <p:spPr>
+          <a:xfrm>
+            <a:off x="1438277" y="1112838"/>
+            <a:ext cx="6648446" cy="5516562"/>
+          </a:xfrm>
+        </p:spPr>
+      </p:pic>
+    </p:spTree>
+    <p:extLst>
+      <p:ext uri="{BB962C8B-B14F-4D97-AF65-F5344CB8AC3E}">
+        <p14:creationId xmlns:p14="http://schemas.microsoft.com/office/powerpoint/2010/main" val="1136577844"/>
+      </p:ext>
+    </p:extLst>
+  </p:cSld>
+  <p:clrMapOvr>
+    <a:masterClrMapping/>
+  </p:clrMapOvr>
+  <p:transition advClick="0">
+    <p:wheel spokes="1"/>
+  </p:transition>
+</p:sld>
+</file>
+
+<file path=ppt/slides/slide14.xml><?xml version="1.0" encoding="utf-8"?>
+<p:sld xmlns:a="http://schemas.openxmlformats.org/drawingml/2006/main" xmlns:r="http://schemas.openxmlformats.org/officeDocument/2006/relationships" xmlns:p="http://schemas.openxmlformats.org/presentationml/2006/main">
+  <p:cSld>
+    <p:spTree>
+      <p:nvGrpSpPr>
+        <p:cNvPr id="1" name="">
+          <a:extLst>
+            <a:ext uri="{FF2B5EF4-FFF2-40B4-BE49-F238E27FC236}">
+              <a16:creationId xmlns:a16="http://schemas.microsoft.com/office/drawing/2014/main" id="{593D4F08-6E23-0BC3-45FE-CD569B11889D}"/>
+            </a:ext>
+          </a:extLst>
+        </p:cNvPr>
+        <p:cNvGrpSpPr/>
+        <p:nvPr/>
+      </p:nvGrpSpPr>
+      <p:grpSpPr>
+        <a:xfrm>
+          <a:off x="0" y="0"/>
+          <a:ext cx="0" cy="0"/>
+          <a:chOff x="0" y="0"/>
+          <a:chExt cx="0" cy="0"/>
+        </a:xfrm>
+      </p:grpSpPr>
+      <p:sp>
+        <p:nvSpPr>
+          <p:cNvPr id="9218" name="Rectangle 2">
+            <a:extLst>
+              <a:ext uri="{FF2B5EF4-FFF2-40B4-BE49-F238E27FC236}">
+                <a16:creationId xmlns:a16="http://schemas.microsoft.com/office/drawing/2014/main" id="{E91AE94A-C92C-2F7F-5A9D-5E849ADB4D50}"/>
+              </a:ext>
+            </a:extLst>
+          </p:cNvPr>
+          <p:cNvSpPr>
+            <a:spLocks noGrp="1" noChangeArrowheads="1"/>
+          </p:cNvSpPr>
+          <p:nvPr>
+            <p:ph type="title"/>
+          </p:nvPr>
+        </p:nvSpPr>
+        <p:spPr bwMode="auto">
+          <a:xfrm>
+            <a:off x="457200" y="152400"/>
+            <a:ext cx="8686799" cy="685800"/>
+          </a:xfrm>
+          <a:noFill/>
+          <a:ln>
+            <a:miter lim="800000"/>
+            <a:headEnd/>
+            <a:tailEnd/>
+          </a:ln>
+        </p:spPr>
+        <p:txBody>
+          <a:bodyPr vert="horz" wrap="square" lIns="91440" tIns="45720" rIns="91440" bIns="45720" numCol="1" anchor="t" anchorCtr="0" compatLnSpc="1">
+            <a:prstTxWarp prst="textNoShape">
+              <a:avLst/>
+            </a:prstTxWarp>
+          </a:bodyPr>
+          <a:lstStyle/>
+          <a:p>
+            <a:pPr eaLnBrk="1" hangingPunct="1"/>
+            <a:r>
+              <a:rPr lang="en-US" sz="4000" b="1" dirty="0">
+                <a:solidFill>
+                  <a:schemeClr val="tx1"/>
+                </a:solidFill>
+                <a:cs typeface="Tahoma" charset="0"/>
+              </a:rPr>
+              <a:t>5. </a:t>
+            </a:r>
+            <a:r>
+              <a:rPr lang="en-US" sz="4000" b="1" dirty="0" err="1">
+                <a:solidFill>
+                  <a:schemeClr val="tx1"/>
+                </a:solidFill>
+                <a:cs typeface="Tahoma" charset="0"/>
+              </a:rPr>
+              <a:t>Các</a:t>
+            </a:r>
+            <a:r>
+              <a:rPr lang="en-US" sz="4000" b="1" dirty="0">
+                <a:solidFill>
+                  <a:schemeClr val="tx1"/>
+                </a:solidFill>
+                <a:cs typeface="Tahoma" charset="0"/>
+              </a:rPr>
+              <a:t> </a:t>
+            </a:r>
+            <a:r>
+              <a:rPr lang="en-US" sz="4000" b="1" dirty="0" err="1">
+                <a:solidFill>
+                  <a:schemeClr val="tx1"/>
+                </a:solidFill>
+                <a:cs typeface="Tahoma" charset="0"/>
+              </a:rPr>
+              <a:t>bước</a:t>
+            </a:r>
+            <a:r>
+              <a:rPr lang="en-US" sz="4000" b="1" dirty="0">
+                <a:solidFill>
+                  <a:schemeClr val="tx1"/>
+                </a:solidFill>
+                <a:cs typeface="Tahoma" charset="0"/>
+              </a:rPr>
+              <a:t> </a:t>
+            </a:r>
+            <a:r>
+              <a:rPr lang="en-US" sz="4000" b="1" dirty="0" err="1">
+                <a:solidFill>
+                  <a:schemeClr val="tx1"/>
+                </a:solidFill>
+                <a:cs typeface="Tahoma" charset="0"/>
+              </a:rPr>
+              <a:t>thực</a:t>
+            </a:r>
+            <a:r>
+              <a:rPr lang="en-US" sz="4000" b="1" dirty="0">
+                <a:solidFill>
+                  <a:schemeClr val="tx1"/>
+                </a:solidFill>
+                <a:cs typeface="Tahoma" charset="0"/>
+              </a:rPr>
+              <a:t> </a:t>
+            </a:r>
+            <a:r>
+              <a:rPr lang="en-US" sz="4000" b="1" dirty="0" err="1">
+                <a:solidFill>
+                  <a:schemeClr val="tx1"/>
+                </a:solidFill>
+                <a:cs typeface="Tahoma" charset="0"/>
+              </a:rPr>
+              <a:t>hiện</a:t>
+            </a:r>
+            <a:endParaRPr lang="en-US" sz="4000" b="1" dirty="0">
+              <a:solidFill>
+                <a:schemeClr val="tx1"/>
+              </a:solidFill>
+              <a:cs typeface="Tahoma" charset="0"/>
+            </a:endParaRPr>
+          </a:p>
+        </p:txBody>
+      </p:sp>
+      <p:sp>
+        <p:nvSpPr>
+          <p:cNvPr id="9219" name="Rectangle 3">
+            <a:extLst>
+              <a:ext uri="{FF2B5EF4-FFF2-40B4-BE49-F238E27FC236}">
+                <a16:creationId xmlns:a16="http://schemas.microsoft.com/office/drawing/2014/main" id="{6812D99A-9F00-4341-339D-4DF92A17DF66}"/>
+              </a:ext>
+            </a:extLst>
+          </p:cNvPr>
+          <p:cNvSpPr>
+            <a:spLocks noGrp="1" noChangeArrowheads="1"/>
+          </p:cNvSpPr>
+          <p:nvPr>
+            <p:ph idx="1"/>
+          </p:nvPr>
+        </p:nvSpPr>
+        <p:spPr bwMode="auto">
+          <a:xfrm>
+            <a:off x="533400" y="1066800"/>
+            <a:ext cx="8458200" cy="5638800"/>
+          </a:xfrm>
+          <a:noFill/>
+          <a:ln>
+            <a:miter lim="800000"/>
+            <a:headEnd/>
+            <a:tailEnd/>
+          </a:ln>
+        </p:spPr>
+        <p:txBody>
+          <a:bodyPr vert="horz" wrap="square" lIns="91440" tIns="45720" rIns="91440" bIns="45720" numCol="1" anchor="t" anchorCtr="0" compatLnSpc="1">
+            <a:prstTxWarp prst="textNoShape">
+              <a:avLst/>
+            </a:prstTxWarp>
+          </a:bodyPr>
+          <a:lstStyle/>
+          <a:p>
+            <a:pPr algn="just">
+              <a:lnSpc>
+                <a:spcPct val="120000"/>
+              </a:lnSpc>
+              <a:spcBef>
+                <a:spcPts val="300"/>
+              </a:spcBef>
+              <a:spcAft>
+                <a:spcPts val="300"/>
+              </a:spcAft>
+              <a:buFont typeface="Wingdings" panose="05000000000000000000" pitchFamily="2" charset="2"/>
+              <a:buChar char="v"/>
+            </a:pPr>
+            <a:r>
+              <a:rPr lang="en-US" sz="2400" dirty="0">
+                <a:latin typeface="+mj-lt"/>
+                <a:cs typeface="Tahoma" charset="0"/>
+              </a:rPr>
+              <a:t>1. </a:t>
+            </a:r>
+            <a:r>
+              <a:rPr lang="en-US" sz="2400" dirty="0" err="1">
+                <a:latin typeface="+mj-lt"/>
+                <a:cs typeface="Tahoma" charset="0"/>
+              </a:rPr>
+              <a:t>Tạo</a:t>
+            </a:r>
+            <a:r>
+              <a:rPr lang="en-US" sz="2400" dirty="0">
+                <a:latin typeface="+mj-lt"/>
+                <a:cs typeface="Tahoma" charset="0"/>
+              </a:rPr>
+              <a:t> Interface Prototype, </a:t>
+            </a:r>
+            <a:r>
+              <a:rPr lang="en-US" sz="2400" dirty="0" err="1">
+                <a:solidFill>
+                  <a:srgbClr val="0000FF"/>
+                </a:solidFill>
+                <a:latin typeface="+mj-lt"/>
+                <a:cs typeface="Tahoma" charset="0"/>
+              </a:rPr>
+              <a:t>khai</a:t>
+            </a:r>
+            <a:r>
+              <a:rPr lang="en-US" sz="2400" dirty="0">
+                <a:solidFill>
+                  <a:srgbClr val="0000FF"/>
+                </a:solidFill>
+                <a:latin typeface="+mj-lt"/>
+                <a:cs typeface="Tahoma" charset="0"/>
+              </a:rPr>
+              <a:t> </a:t>
+            </a:r>
+            <a:r>
+              <a:rPr lang="en-US" sz="2400" dirty="0" err="1">
+                <a:solidFill>
+                  <a:srgbClr val="0000FF"/>
+                </a:solidFill>
+                <a:latin typeface="+mj-lt"/>
+                <a:cs typeface="Tahoma" charset="0"/>
+              </a:rPr>
+              <a:t>báo</a:t>
+            </a:r>
+            <a:r>
+              <a:rPr lang="en-US" sz="2400" dirty="0">
+                <a:latin typeface="+mj-lt"/>
+                <a:cs typeface="Tahoma" charset="0"/>
+              </a:rPr>
+              <a:t> </a:t>
+            </a:r>
+            <a:r>
+              <a:rPr lang="en-US" sz="2400" dirty="0" err="1">
+                <a:latin typeface="+mj-lt"/>
+                <a:cs typeface="Tahoma" charset="0"/>
+              </a:rPr>
+              <a:t>phương</a:t>
+            </a:r>
+            <a:r>
+              <a:rPr lang="en-US" sz="2400" dirty="0">
+                <a:latin typeface="+mj-lt"/>
+                <a:cs typeface="Tahoma" charset="0"/>
+              </a:rPr>
+              <a:t> </a:t>
+            </a:r>
+            <a:r>
+              <a:rPr lang="en-US" sz="2400" dirty="0" err="1">
+                <a:latin typeface="+mj-lt"/>
+                <a:cs typeface="Tahoma" charset="0"/>
+              </a:rPr>
+              <a:t>thức</a:t>
+            </a:r>
+            <a:r>
+              <a:rPr lang="en-US" sz="2400" dirty="0">
+                <a:latin typeface="+mj-lt"/>
+                <a:cs typeface="Tahoma" charset="0"/>
+              </a:rPr>
+              <a:t> </a:t>
+            </a:r>
+            <a:r>
+              <a:rPr lang="en-US" sz="2400" dirty="0" err="1">
+                <a:latin typeface="+mj-lt"/>
+                <a:cs typeface="Tahoma" charset="0"/>
+              </a:rPr>
+              <a:t>nhân</a:t>
+            </a:r>
+            <a:r>
+              <a:rPr lang="en-US" sz="2400" dirty="0">
+                <a:latin typeface="+mj-lt"/>
+                <a:cs typeface="Tahoma" charset="0"/>
+              </a:rPr>
+              <a:t> </a:t>
+            </a:r>
+            <a:r>
+              <a:rPr lang="en-US" sz="2400" dirty="0" err="1">
+                <a:latin typeface="+mj-lt"/>
+                <a:cs typeface="Tahoma" charset="0"/>
+              </a:rPr>
+              <a:t>bản</a:t>
+            </a:r>
+            <a:r>
+              <a:rPr lang="en-US" sz="2400" dirty="0">
+                <a:latin typeface="+mj-lt"/>
+                <a:cs typeface="Tahoma" charset="0"/>
+              </a:rPr>
+              <a:t>. </a:t>
+            </a:r>
+            <a:r>
+              <a:rPr lang="en-US" sz="2400" dirty="0" err="1">
+                <a:latin typeface="+mj-lt"/>
+                <a:cs typeface="Tahoma" charset="0"/>
+              </a:rPr>
+              <a:t>Hoặc</a:t>
+            </a:r>
+            <a:r>
+              <a:rPr lang="en-US" sz="2400" dirty="0">
+                <a:latin typeface="+mj-lt"/>
+                <a:cs typeface="Tahoma" charset="0"/>
+              </a:rPr>
+              <a:t> </a:t>
+            </a:r>
+            <a:r>
+              <a:rPr lang="en-US" sz="2400" dirty="0" err="1">
+                <a:latin typeface="+mj-lt"/>
+                <a:cs typeface="Tahoma" charset="0"/>
+              </a:rPr>
+              <a:t>thêm</a:t>
+            </a:r>
+            <a:r>
+              <a:rPr lang="en-US" sz="2400" dirty="0">
+                <a:latin typeface="+mj-lt"/>
+                <a:cs typeface="Tahoma" charset="0"/>
+              </a:rPr>
+              <a:t> </a:t>
+            </a:r>
+            <a:r>
+              <a:rPr lang="en-US" sz="2400" dirty="0" err="1">
+                <a:latin typeface="+mj-lt"/>
+                <a:cs typeface="Tahoma" charset="0"/>
+              </a:rPr>
+              <a:t>phương</a:t>
+            </a:r>
+            <a:r>
+              <a:rPr lang="en-US" sz="2400" dirty="0">
+                <a:latin typeface="+mj-lt"/>
+                <a:cs typeface="Tahoma" charset="0"/>
+              </a:rPr>
+              <a:t> </a:t>
+            </a:r>
+            <a:r>
+              <a:rPr lang="en-US" sz="2400" dirty="0" err="1">
+                <a:latin typeface="+mj-lt"/>
+                <a:cs typeface="Tahoma" charset="0"/>
+              </a:rPr>
+              <a:t>thức</a:t>
+            </a:r>
+            <a:r>
+              <a:rPr lang="en-US" sz="2400" dirty="0">
+                <a:latin typeface="+mj-lt"/>
+                <a:cs typeface="Tahoma" charset="0"/>
+              </a:rPr>
+              <a:t> </a:t>
+            </a:r>
+            <a:r>
+              <a:rPr lang="en-US" sz="2400" dirty="0" err="1">
+                <a:latin typeface="+mj-lt"/>
+                <a:cs typeface="Tahoma" charset="0"/>
+              </a:rPr>
+              <a:t>vào</a:t>
+            </a:r>
+            <a:r>
+              <a:rPr lang="en-US" sz="2400" dirty="0">
+                <a:latin typeface="+mj-lt"/>
+                <a:cs typeface="Tahoma" charset="0"/>
+              </a:rPr>
+              <a:t> </a:t>
+            </a:r>
+            <a:r>
+              <a:rPr lang="en-US" sz="2400" dirty="0" err="1">
+                <a:latin typeface="+mj-lt"/>
+                <a:cs typeface="Tahoma" charset="0"/>
+              </a:rPr>
+              <a:t>tất</a:t>
+            </a:r>
+            <a:r>
+              <a:rPr lang="en-US" sz="2400" dirty="0">
+                <a:latin typeface="+mj-lt"/>
+                <a:cs typeface="Tahoma" charset="0"/>
+              </a:rPr>
+              <a:t> </a:t>
+            </a:r>
+            <a:r>
+              <a:rPr lang="en-US" sz="2400" dirty="0" err="1">
+                <a:latin typeface="+mj-lt"/>
+                <a:cs typeface="Tahoma" charset="0"/>
+              </a:rPr>
+              <a:t>cả</a:t>
+            </a:r>
+            <a:r>
+              <a:rPr lang="en-US" sz="2400" dirty="0">
+                <a:latin typeface="+mj-lt"/>
+                <a:cs typeface="Tahoma" charset="0"/>
+              </a:rPr>
+              <a:t> </a:t>
+            </a:r>
+            <a:r>
+              <a:rPr lang="en-US" sz="2400" dirty="0" err="1">
+                <a:latin typeface="+mj-lt"/>
+                <a:cs typeface="Tahoma" charset="0"/>
+              </a:rPr>
+              <a:t>các</a:t>
+            </a:r>
+            <a:r>
+              <a:rPr lang="en-US" sz="2400" dirty="0">
+                <a:latin typeface="+mj-lt"/>
+                <a:cs typeface="Tahoma" charset="0"/>
+              </a:rPr>
+              <a:t> </a:t>
+            </a:r>
+            <a:r>
+              <a:rPr lang="en-US" sz="2400" dirty="0" err="1">
+                <a:latin typeface="+mj-lt"/>
+                <a:cs typeface="Tahoma" charset="0"/>
+              </a:rPr>
+              <a:t>lớp</a:t>
+            </a:r>
+            <a:r>
+              <a:rPr lang="en-US" sz="2400" dirty="0">
+                <a:latin typeface="+mj-lt"/>
+                <a:cs typeface="Tahoma" charset="0"/>
+              </a:rPr>
+              <a:t> </a:t>
+            </a:r>
+            <a:r>
+              <a:rPr lang="en-US" sz="2400" dirty="0" err="1">
+                <a:latin typeface="+mj-lt"/>
+                <a:cs typeface="Tahoma" charset="0"/>
+              </a:rPr>
+              <a:t>hiện</a:t>
+            </a:r>
+            <a:r>
+              <a:rPr lang="en-US" sz="2400" dirty="0">
+                <a:latin typeface="+mj-lt"/>
+                <a:cs typeface="Tahoma" charset="0"/>
+              </a:rPr>
+              <a:t> </a:t>
+            </a:r>
+            <a:r>
+              <a:rPr lang="en-US" sz="2400" dirty="0" err="1">
+                <a:latin typeface="+mj-lt"/>
+                <a:cs typeface="Tahoma" charset="0"/>
+              </a:rPr>
+              <a:t>có</a:t>
+            </a:r>
+            <a:r>
+              <a:rPr lang="en-US" sz="2400" dirty="0">
+                <a:latin typeface="+mj-lt"/>
+                <a:cs typeface="Tahoma" charset="0"/>
+              </a:rPr>
+              <a:t>, </a:t>
+            </a:r>
+            <a:r>
+              <a:rPr lang="en-US" sz="2400" dirty="0" err="1">
+                <a:latin typeface="+mj-lt"/>
+                <a:cs typeface="Tahoma" charset="0"/>
+              </a:rPr>
+              <a:t>nếu</a:t>
+            </a:r>
+            <a:r>
+              <a:rPr lang="en-US" sz="2400" dirty="0">
+                <a:latin typeface="+mj-lt"/>
+                <a:cs typeface="Tahoma" charset="0"/>
+              </a:rPr>
+              <a:t> </a:t>
+            </a:r>
+            <a:r>
+              <a:rPr lang="en-US" sz="2400" dirty="0" err="1">
+                <a:latin typeface="+mj-lt"/>
+                <a:cs typeface="Tahoma" charset="0"/>
+              </a:rPr>
+              <a:t>bạn</a:t>
+            </a:r>
+            <a:r>
+              <a:rPr lang="en-US" sz="2400" dirty="0">
+                <a:latin typeface="+mj-lt"/>
+                <a:cs typeface="Tahoma" charset="0"/>
+              </a:rPr>
+              <a:t> </a:t>
+            </a:r>
+            <a:r>
+              <a:rPr lang="en-US" sz="2400" dirty="0" err="1">
+                <a:latin typeface="+mj-lt"/>
+                <a:cs typeface="Tahoma" charset="0"/>
+              </a:rPr>
+              <a:t>có</a:t>
+            </a:r>
+            <a:r>
+              <a:rPr lang="en-US" sz="2400" dirty="0">
+                <a:latin typeface="+mj-lt"/>
+                <a:cs typeface="Tahoma" charset="0"/>
+              </a:rPr>
+              <a:t> </a:t>
+            </a:r>
+            <a:r>
+              <a:rPr lang="en-US" sz="2400" dirty="0" err="1">
+                <a:latin typeface="+mj-lt"/>
+                <a:cs typeface="Tahoma" charset="0"/>
+              </a:rPr>
+              <a:t>phương</a:t>
+            </a:r>
+            <a:r>
+              <a:rPr lang="en-US" sz="2400" dirty="0">
+                <a:latin typeface="+mj-lt"/>
+                <a:cs typeface="Tahoma" charset="0"/>
+              </a:rPr>
+              <a:t> </a:t>
+            </a:r>
+            <a:r>
+              <a:rPr lang="en-US" sz="2400" dirty="0" err="1">
+                <a:latin typeface="+mj-lt"/>
+                <a:cs typeface="Tahoma" charset="0"/>
+              </a:rPr>
+              <a:t>thức</a:t>
+            </a:r>
+            <a:r>
+              <a:rPr lang="en-US" sz="2400" dirty="0">
+                <a:latin typeface="+mj-lt"/>
+                <a:cs typeface="Tahoma" charset="0"/>
+              </a:rPr>
+              <a:t>.</a:t>
+            </a:r>
+          </a:p>
+          <a:p>
+            <a:pPr algn="just">
+              <a:lnSpc>
+                <a:spcPct val="120000"/>
+              </a:lnSpc>
+              <a:spcBef>
+                <a:spcPts val="300"/>
+              </a:spcBef>
+              <a:spcAft>
+                <a:spcPts val="300"/>
+              </a:spcAft>
+              <a:buFont typeface="Wingdings" panose="05000000000000000000" pitchFamily="2" charset="2"/>
+              <a:buChar char="v"/>
+            </a:pPr>
+            <a:r>
+              <a:rPr lang="en-US" sz="2400" dirty="0">
+                <a:latin typeface="+mj-lt"/>
+                <a:cs typeface="Tahoma" charset="0"/>
+              </a:rPr>
+              <a:t>2. </a:t>
+            </a:r>
+            <a:r>
+              <a:rPr lang="en-US" sz="2400" dirty="0" err="1">
+                <a:latin typeface="+mj-lt"/>
+                <a:cs typeface="Tahoma" charset="0"/>
+              </a:rPr>
+              <a:t>Một</a:t>
+            </a:r>
+            <a:r>
+              <a:rPr lang="en-US" sz="2400" dirty="0">
+                <a:latin typeface="+mj-lt"/>
+                <a:cs typeface="Tahoma" charset="0"/>
+              </a:rPr>
+              <a:t> </a:t>
+            </a:r>
+            <a:r>
+              <a:rPr lang="en-US" sz="2400" dirty="0" err="1">
+                <a:latin typeface="+mj-lt"/>
+                <a:cs typeface="Tahoma" charset="0"/>
+              </a:rPr>
+              <a:t>lớp</a:t>
+            </a:r>
+            <a:r>
+              <a:rPr lang="en-US" sz="2400" dirty="0">
+                <a:latin typeface="+mj-lt"/>
+                <a:cs typeface="Tahoma" charset="0"/>
+              </a:rPr>
+              <a:t> Prototype </a:t>
+            </a:r>
+            <a:r>
+              <a:rPr lang="en-US" sz="2400" dirty="0" err="1">
+                <a:latin typeface="+mj-lt"/>
+                <a:cs typeface="Tahoma" charset="0"/>
+              </a:rPr>
+              <a:t>phải</a:t>
+            </a:r>
+            <a:r>
+              <a:rPr lang="en-US" sz="2400" dirty="0">
+                <a:latin typeface="+mj-lt"/>
+                <a:cs typeface="Tahoma" charset="0"/>
+              </a:rPr>
+              <a:t> </a:t>
+            </a:r>
+            <a:r>
+              <a:rPr lang="en-US" sz="2400" dirty="0" err="1">
+                <a:solidFill>
+                  <a:srgbClr val="0000FF"/>
+                </a:solidFill>
+                <a:latin typeface="+mj-lt"/>
+                <a:cs typeface="Tahoma" charset="0"/>
+              </a:rPr>
+              <a:t>định</a:t>
+            </a:r>
+            <a:r>
+              <a:rPr lang="en-US" sz="2400" dirty="0">
+                <a:solidFill>
+                  <a:srgbClr val="0000FF"/>
+                </a:solidFill>
+                <a:latin typeface="+mj-lt"/>
+                <a:cs typeface="Tahoma" charset="0"/>
+              </a:rPr>
+              <a:t> </a:t>
+            </a:r>
+            <a:r>
+              <a:rPr lang="en-US" sz="2400" dirty="0" err="1">
+                <a:solidFill>
+                  <a:srgbClr val="0000FF"/>
+                </a:solidFill>
+                <a:latin typeface="+mj-lt"/>
+                <a:cs typeface="Tahoma" charset="0"/>
+              </a:rPr>
+              <a:t>nghĩa</a:t>
+            </a:r>
+            <a:r>
+              <a:rPr lang="en-US" sz="2400" dirty="0">
+                <a:latin typeface="+mj-lt"/>
+                <a:cs typeface="Tahoma" charset="0"/>
+              </a:rPr>
+              <a:t> constructor </a:t>
+            </a:r>
+            <a:r>
+              <a:rPr lang="en-US" sz="2400" dirty="0" err="1">
+                <a:solidFill>
+                  <a:srgbClr val="0000FF"/>
+                </a:solidFill>
+                <a:latin typeface="+mj-lt"/>
+                <a:cs typeface="Tahoma" charset="0"/>
+              </a:rPr>
+              <a:t>chấp</a:t>
+            </a:r>
+            <a:r>
+              <a:rPr lang="en-US" sz="2400" dirty="0">
+                <a:solidFill>
+                  <a:srgbClr val="0000FF"/>
+                </a:solidFill>
+                <a:latin typeface="+mj-lt"/>
+                <a:cs typeface="Tahoma" charset="0"/>
+              </a:rPr>
+              <a:t> </a:t>
+            </a:r>
+            <a:r>
+              <a:rPr lang="en-US" sz="2400" dirty="0" err="1">
+                <a:solidFill>
+                  <a:srgbClr val="0000FF"/>
+                </a:solidFill>
+                <a:latin typeface="+mj-lt"/>
+                <a:cs typeface="Tahoma" charset="0"/>
+              </a:rPr>
+              <a:t>nhận</a:t>
+            </a:r>
+            <a:r>
+              <a:rPr lang="en-US" sz="2400" dirty="0">
+                <a:solidFill>
+                  <a:srgbClr val="0000FF"/>
+                </a:solidFill>
+                <a:latin typeface="+mj-lt"/>
+                <a:cs typeface="Tahoma" charset="0"/>
+              </a:rPr>
+              <a:t> </a:t>
+            </a:r>
+            <a:r>
+              <a:rPr lang="en-US" sz="2400" dirty="0" err="1">
+                <a:solidFill>
+                  <a:srgbClr val="0000FF"/>
+                </a:solidFill>
+                <a:latin typeface="+mj-lt"/>
+                <a:cs typeface="Tahoma" charset="0"/>
+              </a:rPr>
+              <a:t>một</a:t>
+            </a:r>
+            <a:r>
+              <a:rPr lang="en-US" sz="2400" dirty="0">
+                <a:solidFill>
+                  <a:srgbClr val="0000FF"/>
+                </a:solidFill>
+                <a:latin typeface="+mj-lt"/>
+                <a:cs typeface="Tahoma" charset="0"/>
+              </a:rPr>
+              <a:t> </a:t>
+            </a:r>
+            <a:r>
+              <a:rPr lang="en-US" sz="2400" dirty="0" err="1">
+                <a:solidFill>
+                  <a:srgbClr val="0000FF"/>
+                </a:solidFill>
+                <a:latin typeface="+mj-lt"/>
+                <a:cs typeface="Tahoma" charset="0"/>
+              </a:rPr>
+              <a:t>đối</a:t>
+            </a:r>
+            <a:r>
+              <a:rPr lang="en-US" sz="2400" dirty="0">
+                <a:solidFill>
+                  <a:srgbClr val="0000FF"/>
+                </a:solidFill>
+                <a:latin typeface="+mj-lt"/>
+                <a:cs typeface="Tahoma" charset="0"/>
+              </a:rPr>
+              <a:t> </a:t>
+            </a:r>
+            <a:r>
+              <a:rPr lang="en-US" sz="2400" dirty="0" err="1">
+                <a:solidFill>
+                  <a:srgbClr val="0000FF"/>
+                </a:solidFill>
+                <a:latin typeface="+mj-lt"/>
+                <a:cs typeface="Tahoma" charset="0"/>
+              </a:rPr>
+              <a:t>tượng</a:t>
+            </a:r>
+            <a:r>
+              <a:rPr lang="en-US" sz="2400" dirty="0">
+                <a:solidFill>
+                  <a:srgbClr val="0000FF"/>
+                </a:solidFill>
+                <a:latin typeface="+mj-lt"/>
+                <a:cs typeface="Tahoma" charset="0"/>
+              </a:rPr>
+              <a:t> </a:t>
+            </a:r>
+            <a:r>
+              <a:rPr lang="en-US" sz="2400" dirty="0" err="1">
+                <a:solidFill>
+                  <a:srgbClr val="0000FF"/>
+                </a:solidFill>
+                <a:latin typeface="+mj-lt"/>
+                <a:cs typeface="Tahoma" charset="0"/>
+              </a:rPr>
+              <a:t>lớp</a:t>
+            </a:r>
+            <a:r>
+              <a:rPr lang="en-US" sz="2400" dirty="0">
+                <a:solidFill>
+                  <a:srgbClr val="0000FF"/>
+                </a:solidFill>
+                <a:latin typeface="+mj-lt"/>
+                <a:cs typeface="Tahoma" charset="0"/>
+              </a:rPr>
+              <a:t> </a:t>
+            </a:r>
+            <a:r>
+              <a:rPr lang="en-US" sz="2400" dirty="0" err="1">
+                <a:solidFill>
+                  <a:srgbClr val="0000FF"/>
+                </a:solidFill>
+                <a:latin typeface="+mj-lt"/>
+                <a:cs typeface="Tahoma" charset="0"/>
+              </a:rPr>
+              <a:t>đó</a:t>
+            </a:r>
+            <a:r>
+              <a:rPr lang="en-US" sz="2400" dirty="0">
+                <a:solidFill>
+                  <a:srgbClr val="0000FF"/>
+                </a:solidFill>
+                <a:latin typeface="+mj-lt"/>
+                <a:cs typeface="Tahoma" charset="0"/>
+              </a:rPr>
+              <a:t> </a:t>
+            </a:r>
+            <a:r>
+              <a:rPr lang="en-US" sz="2400" dirty="0" err="1">
+                <a:solidFill>
+                  <a:srgbClr val="0000FF"/>
+                </a:solidFill>
+                <a:latin typeface="+mj-lt"/>
+                <a:cs typeface="Tahoma" charset="0"/>
+              </a:rPr>
+              <a:t>làm</a:t>
+            </a:r>
+            <a:r>
+              <a:rPr lang="en-US" sz="2400" dirty="0">
+                <a:solidFill>
+                  <a:srgbClr val="0000FF"/>
+                </a:solidFill>
+                <a:latin typeface="+mj-lt"/>
+                <a:cs typeface="Tahoma" charset="0"/>
+              </a:rPr>
+              <a:t> </a:t>
+            </a:r>
+            <a:r>
+              <a:rPr lang="en-US" sz="2400" dirty="0" err="1">
+                <a:solidFill>
+                  <a:srgbClr val="0000FF"/>
+                </a:solidFill>
+                <a:latin typeface="+mj-lt"/>
+                <a:cs typeface="Tahoma" charset="0"/>
+              </a:rPr>
+              <a:t>đối</a:t>
+            </a:r>
+            <a:r>
+              <a:rPr lang="en-US" sz="2400" dirty="0">
+                <a:solidFill>
+                  <a:srgbClr val="0000FF"/>
+                </a:solidFill>
+                <a:latin typeface="+mj-lt"/>
+                <a:cs typeface="Tahoma" charset="0"/>
+              </a:rPr>
+              <a:t> </a:t>
+            </a:r>
+            <a:r>
+              <a:rPr lang="en-US" sz="2400" dirty="0" err="1">
+                <a:solidFill>
+                  <a:srgbClr val="0000FF"/>
+                </a:solidFill>
+                <a:latin typeface="+mj-lt"/>
+                <a:cs typeface="Tahoma" charset="0"/>
+              </a:rPr>
+              <a:t>số</a:t>
+            </a:r>
+            <a:r>
+              <a:rPr lang="en-US" sz="2400" dirty="0">
+                <a:latin typeface="+mj-lt"/>
+                <a:cs typeface="Tahoma" charset="0"/>
+              </a:rPr>
+              <a:t>. Constructor </a:t>
+            </a:r>
+            <a:r>
+              <a:rPr lang="en-US" sz="2400" dirty="0" err="1">
+                <a:latin typeface="+mj-lt"/>
+                <a:cs typeface="Tahoma" charset="0"/>
+              </a:rPr>
+              <a:t>phải</a:t>
+            </a:r>
+            <a:r>
+              <a:rPr lang="en-US" sz="2400" dirty="0">
+                <a:latin typeface="+mj-lt"/>
+                <a:cs typeface="Tahoma" charset="0"/>
+              </a:rPr>
+              <a:t> </a:t>
+            </a:r>
+            <a:r>
+              <a:rPr lang="en-US" sz="2400" dirty="0" err="1">
+                <a:solidFill>
+                  <a:srgbClr val="0000FF"/>
+                </a:solidFill>
+                <a:latin typeface="+mj-lt"/>
+                <a:cs typeface="Tahoma" charset="0"/>
+              </a:rPr>
+              <a:t>sao</a:t>
+            </a:r>
+            <a:r>
+              <a:rPr lang="en-US" sz="2400" dirty="0">
+                <a:solidFill>
+                  <a:srgbClr val="0000FF"/>
+                </a:solidFill>
+                <a:latin typeface="+mj-lt"/>
+                <a:cs typeface="Tahoma" charset="0"/>
+              </a:rPr>
+              <a:t> </a:t>
+            </a:r>
+            <a:r>
+              <a:rPr lang="en-US" sz="2400" dirty="0" err="1">
+                <a:solidFill>
+                  <a:srgbClr val="0000FF"/>
+                </a:solidFill>
+                <a:latin typeface="+mj-lt"/>
+                <a:cs typeface="Tahoma" charset="0"/>
+              </a:rPr>
+              <a:t>chép</a:t>
+            </a:r>
+            <a:r>
+              <a:rPr lang="en-US" sz="2400" dirty="0">
+                <a:solidFill>
+                  <a:srgbClr val="0000FF"/>
+                </a:solidFill>
+                <a:latin typeface="+mj-lt"/>
+                <a:cs typeface="Tahoma" charset="0"/>
+              </a:rPr>
+              <a:t> </a:t>
+            </a:r>
+            <a:r>
+              <a:rPr lang="en-US" sz="2400" dirty="0" err="1">
+                <a:solidFill>
+                  <a:srgbClr val="0000FF"/>
+                </a:solidFill>
+                <a:latin typeface="+mj-lt"/>
+                <a:cs typeface="Tahoma" charset="0"/>
+              </a:rPr>
+              <a:t>tất</a:t>
+            </a:r>
+            <a:r>
+              <a:rPr lang="en-US" sz="2400" dirty="0">
+                <a:solidFill>
+                  <a:srgbClr val="0000FF"/>
+                </a:solidFill>
+                <a:latin typeface="+mj-lt"/>
+                <a:cs typeface="Tahoma" charset="0"/>
+              </a:rPr>
+              <a:t> </a:t>
+            </a:r>
+            <a:r>
+              <a:rPr lang="en-US" sz="2400" dirty="0" err="1">
+                <a:solidFill>
+                  <a:srgbClr val="0000FF"/>
+                </a:solidFill>
+                <a:latin typeface="+mj-lt"/>
+                <a:cs typeface="Tahoma" charset="0"/>
+              </a:rPr>
+              <a:t>cả</a:t>
+            </a:r>
+            <a:r>
+              <a:rPr lang="en-US" sz="2400" dirty="0">
+                <a:solidFill>
+                  <a:srgbClr val="0000FF"/>
+                </a:solidFill>
+                <a:latin typeface="+mj-lt"/>
+                <a:cs typeface="Tahoma" charset="0"/>
+              </a:rPr>
+              <a:t> </a:t>
+            </a:r>
+            <a:r>
+              <a:rPr lang="en-US" sz="2400" dirty="0" err="1">
+                <a:solidFill>
+                  <a:srgbClr val="0000FF"/>
+                </a:solidFill>
+                <a:latin typeface="+mj-lt"/>
+                <a:cs typeface="Tahoma" charset="0"/>
+              </a:rPr>
+              <a:t>các</a:t>
+            </a:r>
+            <a:r>
+              <a:rPr lang="en-US" sz="2400" dirty="0">
+                <a:solidFill>
+                  <a:srgbClr val="0000FF"/>
+                </a:solidFill>
+                <a:latin typeface="+mj-lt"/>
+                <a:cs typeface="Tahoma" charset="0"/>
+              </a:rPr>
+              <a:t> </a:t>
+            </a:r>
+            <a:r>
+              <a:rPr lang="en-US" sz="2400" dirty="0" err="1">
+                <a:solidFill>
+                  <a:srgbClr val="0000FF"/>
+                </a:solidFill>
+                <a:latin typeface="+mj-lt"/>
+                <a:cs typeface="Tahoma" charset="0"/>
+              </a:rPr>
+              <a:t>trường</a:t>
+            </a:r>
+            <a:r>
+              <a:rPr lang="en-US" sz="2400" dirty="0">
+                <a:latin typeface="+mj-lt"/>
+                <a:cs typeface="Tahoma" charset="0"/>
+              </a:rPr>
+              <a:t> </a:t>
+            </a:r>
+            <a:r>
+              <a:rPr lang="en-US" sz="2400" dirty="0" err="1">
+                <a:latin typeface="+mj-lt"/>
+                <a:cs typeface="Tahoma" charset="0"/>
+              </a:rPr>
+              <a:t>từ</a:t>
+            </a:r>
+            <a:r>
+              <a:rPr lang="en-US" sz="2400" dirty="0">
+                <a:latin typeface="+mj-lt"/>
+                <a:cs typeface="Tahoma" charset="0"/>
+              </a:rPr>
+              <a:t> </a:t>
+            </a:r>
+            <a:r>
+              <a:rPr lang="en-US" sz="2400" dirty="0" err="1">
+                <a:latin typeface="+mj-lt"/>
+                <a:cs typeface="Tahoma" charset="0"/>
+              </a:rPr>
+              <a:t>đối</a:t>
+            </a:r>
+            <a:r>
+              <a:rPr lang="en-US" sz="2400" dirty="0">
+                <a:latin typeface="+mj-lt"/>
+                <a:cs typeface="Tahoma" charset="0"/>
+              </a:rPr>
+              <a:t> </a:t>
+            </a:r>
+            <a:r>
+              <a:rPr lang="en-US" sz="2400" dirty="0" err="1">
+                <a:latin typeface="+mj-lt"/>
+                <a:cs typeface="Tahoma" charset="0"/>
+              </a:rPr>
+              <a:t>tượng</a:t>
+            </a:r>
+            <a:r>
+              <a:rPr lang="en-US" sz="2400" dirty="0">
+                <a:latin typeface="+mj-lt"/>
+                <a:cs typeface="Tahoma" charset="0"/>
+              </a:rPr>
+              <a:t> </a:t>
+            </a:r>
+            <a:r>
+              <a:rPr lang="en-US" sz="2400" dirty="0" err="1">
+                <a:latin typeface="+mj-lt"/>
+                <a:cs typeface="Tahoma" charset="0"/>
+              </a:rPr>
+              <a:t>truyền</a:t>
+            </a:r>
+            <a:r>
+              <a:rPr lang="en-US" sz="2400" dirty="0">
+                <a:latin typeface="+mj-lt"/>
+                <a:cs typeface="Tahoma" charset="0"/>
+              </a:rPr>
+              <a:t> </a:t>
+            </a:r>
+            <a:r>
+              <a:rPr lang="en-US" sz="2400" dirty="0" err="1">
+                <a:latin typeface="+mj-lt"/>
+                <a:cs typeface="Tahoma" charset="0"/>
+              </a:rPr>
+              <a:t>vào</a:t>
+            </a:r>
+            <a:r>
+              <a:rPr lang="en-US" sz="2400" dirty="0">
+                <a:latin typeface="+mj-lt"/>
+                <a:cs typeface="Tahoma" charset="0"/>
+              </a:rPr>
+              <a:t> qua </a:t>
+            </a:r>
+            <a:r>
+              <a:rPr lang="en-US" sz="2400" dirty="0" err="1">
+                <a:latin typeface="+mj-lt"/>
+                <a:cs typeface="Tahoma" charset="0"/>
+              </a:rPr>
+              <a:t>đối</a:t>
+            </a:r>
+            <a:r>
+              <a:rPr lang="en-US" sz="2400" dirty="0">
+                <a:latin typeface="+mj-lt"/>
+                <a:cs typeface="Tahoma" charset="0"/>
+              </a:rPr>
+              <a:t> </a:t>
+            </a:r>
+            <a:r>
+              <a:rPr lang="en-US" sz="2400" dirty="0" err="1">
+                <a:latin typeface="+mj-lt"/>
+                <a:cs typeface="Tahoma" charset="0"/>
+              </a:rPr>
+              <a:t>tượng</a:t>
+            </a:r>
+            <a:r>
+              <a:rPr lang="en-US" sz="2400" dirty="0">
+                <a:latin typeface="+mj-lt"/>
+                <a:cs typeface="Tahoma" charset="0"/>
+              </a:rPr>
+              <a:t> </a:t>
+            </a:r>
+            <a:r>
+              <a:rPr lang="en-US" sz="2400" dirty="0" err="1">
+                <a:latin typeface="+mj-lt"/>
+                <a:cs typeface="Tahoma" charset="0"/>
+              </a:rPr>
+              <a:t>mới</a:t>
+            </a:r>
+            <a:r>
+              <a:rPr lang="en-US" sz="2400" dirty="0">
+                <a:latin typeface="+mj-lt"/>
+                <a:cs typeface="Tahoma" charset="0"/>
+              </a:rPr>
+              <a:t> </a:t>
+            </a:r>
+            <a:r>
+              <a:rPr lang="en-US" sz="2400" dirty="0" err="1">
+                <a:latin typeface="+mj-lt"/>
+                <a:cs typeface="Tahoma" charset="0"/>
+              </a:rPr>
+              <a:t>được</a:t>
+            </a:r>
+            <a:r>
+              <a:rPr lang="en-US" sz="2400" dirty="0">
+                <a:latin typeface="+mj-lt"/>
+                <a:cs typeface="Tahoma" charset="0"/>
+              </a:rPr>
+              <a:t> </a:t>
+            </a:r>
+            <a:r>
+              <a:rPr lang="en-US" sz="2400" dirty="0" err="1">
+                <a:latin typeface="+mj-lt"/>
+                <a:cs typeface="Tahoma" charset="0"/>
+              </a:rPr>
+              <a:t>tạo</a:t>
+            </a:r>
+            <a:r>
+              <a:rPr lang="en-US" sz="2400" dirty="0">
+                <a:latin typeface="+mj-lt"/>
+                <a:cs typeface="Tahoma" charset="0"/>
+              </a:rPr>
+              <a:t>. </a:t>
+            </a:r>
+            <a:r>
+              <a:rPr lang="en-US" sz="2400" dirty="0" err="1">
+                <a:latin typeface="+mj-lt"/>
+                <a:cs typeface="Tahoma" charset="0"/>
+              </a:rPr>
+              <a:t>Nếu</a:t>
+            </a:r>
+            <a:r>
+              <a:rPr lang="en-US" sz="2400" dirty="0">
+                <a:latin typeface="+mj-lt"/>
+                <a:cs typeface="Tahoma" charset="0"/>
+              </a:rPr>
+              <a:t> </a:t>
+            </a:r>
+            <a:r>
+              <a:rPr lang="en-US" sz="2400" dirty="0" err="1">
+                <a:latin typeface="+mj-lt"/>
+                <a:cs typeface="Tahoma" charset="0"/>
+              </a:rPr>
+              <a:t>thay</a:t>
+            </a:r>
+            <a:r>
+              <a:rPr lang="en-US" sz="2400" dirty="0">
+                <a:latin typeface="+mj-lt"/>
+                <a:cs typeface="Tahoma" charset="0"/>
+              </a:rPr>
+              <a:t> </a:t>
+            </a:r>
+            <a:r>
+              <a:rPr lang="en-US" sz="2400" dirty="0" err="1">
+                <a:latin typeface="+mj-lt"/>
+                <a:cs typeface="Tahoma" charset="0"/>
+              </a:rPr>
+              <a:t>đổi</a:t>
+            </a:r>
+            <a:r>
+              <a:rPr lang="en-US" sz="2400" dirty="0">
+                <a:latin typeface="+mj-lt"/>
+                <a:cs typeface="Tahoma" charset="0"/>
+              </a:rPr>
+              <a:t> </a:t>
+            </a:r>
+            <a:r>
+              <a:rPr lang="en-US" sz="2400" dirty="0" err="1">
+                <a:latin typeface="+mj-lt"/>
+                <a:cs typeface="Tahoma" charset="0"/>
+              </a:rPr>
+              <a:t>lớp</a:t>
+            </a:r>
+            <a:r>
+              <a:rPr lang="en-US" sz="2400" dirty="0">
+                <a:latin typeface="+mj-lt"/>
+                <a:cs typeface="Tahoma" charset="0"/>
+              </a:rPr>
+              <a:t> con, </a:t>
+            </a:r>
+            <a:r>
+              <a:rPr lang="en-US" sz="2400" dirty="0" err="1">
+                <a:solidFill>
+                  <a:srgbClr val="0000FF"/>
+                </a:solidFill>
+                <a:latin typeface="+mj-lt"/>
+                <a:cs typeface="Tahoma" charset="0"/>
+              </a:rPr>
+              <a:t>phải</a:t>
+            </a:r>
+            <a:r>
+              <a:rPr lang="en-US" sz="2400" dirty="0">
+                <a:solidFill>
+                  <a:srgbClr val="0000FF"/>
+                </a:solidFill>
+                <a:latin typeface="+mj-lt"/>
+                <a:cs typeface="Tahoma" charset="0"/>
+              </a:rPr>
+              <a:t> </a:t>
+            </a:r>
+            <a:r>
+              <a:rPr lang="en-US" sz="2400" dirty="0" err="1">
+                <a:solidFill>
+                  <a:srgbClr val="0000FF"/>
+                </a:solidFill>
+                <a:latin typeface="+mj-lt"/>
+                <a:cs typeface="Tahoma" charset="0"/>
+              </a:rPr>
+              <a:t>gọi</a:t>
+            </a:r>
+            <a:r>
+              <a:rPr lang="en-US" sz="2400" dirty="0">
+                <a:solidFill>
+                  <a:srgbClr val="0000FF"/>
+                </a:solidFill>
+                <a:latin typeface="+mj-lt"/>
+                <a:cs typeface="Tahoma" charset="0"/>
+              </a:rPr>
+              <a:t> constructor cha</a:t>
+            </a:r>
+            <a:r>
+              <a:rPr lang="en-US" sz="2400" dirty="0">
+                <a:latin typeface="+mj-lt"/>
+                <a:cs typeface="Tahoma" charset="0"/>
+              </a:rPr>
+              <a:t> </a:t>
+            </a:r>
+            <a:r>
+              <a:rPr lang="en-US" sz="2400" dirty="0" err="1">
+                <a:latin typeface="+mj-lt"/>
+                <a:cs typeface="Tahoma" charset="0"/>
+              </a:rPr>
+              <a:t>để</a:t>
+            </a:r>
+            <a:r>
+              <a:rPr lang="en-US" sz="2400" dirty="0">
+                <a:latin typeface="+mj-lt"/>
+                <a:cs typeface="Tahoma" charset="0"/>
+              </a:rPr>
+              <a:t> </a:t>
+            </a:r>
+            <a:r>
+              <a:rPr lang="en-US" sz="2400" dirty="0" err="1">
+                <a:latin typeface="+mj-lt"/>
+                <a:cs typeface="Tahoma" charset="0"/>
+              </a:rPr>
+              <a:t>cho</a:t>
+            </a:r>
+            <a:r>
+              <a:rPr lang="en-US" sz="2400" dirty="0">
+                <a:latin typeface="+mj-lt"/>
+                <a:cs typeface="Tahoma" charset="0"/>
+              </a:rPr>
+              <a:t> </a:t>
+            </a:r>
+            <a:r>
+              <a:rPr lang="en-US" sz="2400" dirty="0" err="1">
+                <a:latin typeface="+mj-lt"/>
+                <a:cs typeface="Tahoma" charset="0"/>
+              </a:rPr>
+              <a:t>phép</a:t>
+            </a:r>
+            <a:r>
+              <a:rPr lang="en-US" sz="2400" dirty="0">
+                <a:latin typeface="+mj-lt"/>
+                <a:cs typeface="Tahoma" charset="0"/>
+              </a:rPr>
+              <a:t> superclass </a:t>
+            </a:r>
+            <a:r>
+              <a:rPr lang="en-US" sz="2400" dirty="0" err="1">
+                <a:latin typeface="+mj-lt"/>
+                <a:cs typeface="Tahoma" charset="0"/>
+              </a:rPr>
+              <a:t>xử</a:t>
+            </a:r>
+            <a:r>
+              <a:rPr lang="en-US" sz="2400" dirty="0">
+                <a:latin typeface="+mj-lt"/>
+                <a:cs typeface="Tahoma" charset="0"/>
+              </a:rPr>
+              <a:t> </a:t>
+            </a:r>
+            <a:r>
+              <a:rPr lang="en-US" sz="2400" dirty="0" err="1">
+                <a:latin typeface="+mj-lt"/>
+                <a:cs typeface="Tahoma" charset="0"/>
+              </a:rPr>
+              <a:t>lý</a:t>
+            </a:r>
+            <a:r>
+              <a:rPr lang="en-US" sz="2400" dirty="0">
+                <a:latin typeface="+mj-lt"/>
+                <a:cs typeface="Tahoma" charset="0"/>
+              </a:rPr>
+              <a:t> </a:t>
+            </a:r>
+            <a:r>
+              <a:rPr lang="en-US" sz="2400" dirty="0" err="1">
+                <a:latin typeface="+mj-lt"/>
+                <a:cs typeface="Tahoma" charset="0"/>
+              </a:rPr>
+              <a:t>việc</a:t>
+            </a:r>
+            <a:r>
+              <a:rPr lang="en-US" sz="2400" dirty="0">
+                <a:latin typeface="+mj-lt"/>
+                <a:cs typeface="Tahoma" charset="0"/>
+              </a:rPr>
+              <a:t> </a:t>
+            </a:r>
+            <a:r>
+              <a:rPr lang="en-US" sz="2400" dirty="0" err="1">
+                <a:latin typeface="+mj-lt"/>
+                <a:cs typeface="Tahoma" charset="0"/>
+              </a:rPr>
+              <a:t>nhân</a:t>
+            </a:r>
+            <a:r>
+              <a:rPr lang="en-US" sz="2400" dirty="0">
+                <a:latin typeface="+mj-lt"/>
+                <a:cs typeface="Tahoma" charset="0"/>
+              </a:rPr>
+              <a:t> </a:t>
+            </a:r>
+            <a:r>
+              <a:rPr lang="en-US" sz="2400" dirty="0" err="1">
+                <a:latin typeface="+mj-lt"/>
+                <a:cs typeface="Tahoma" charset="0"/>
+              </a:rPr>
+              <a:t>bản</a:t>
+            </a:r>
+            <a:r>
+              <a:rPr lang="en-US" sz="2400" dirty="0">
+                <a:latin typeface="+mj-lt"/>
+                <a:cs typeface="Tahoma" charset="0"/>
+              </a:rPr>
+              <a:t> </a:t>
+            </a:r>
+            <a:r>
+              <a:rPr lang="en-US" sz="2400" dirty="0" err="1">
+                <a:latin typeface="+mj-lt"/>
+                <a:cs typeface="Tahoma" charset="0"/>
+              </a:rPr>
+              <a:t>của</a:t>
+            </a:r>
+            <a:r>
+              <a:rPr lang="en-US" sz="2400" dirty="0">
+                <a:latin typeface="+mj-lt"/>
+                <a:cs typeface="Tahoma" charset="0"/>
+              </a:rPr>
+              <a:t> </a:t>
+            </a:r>
+            <a:r>
+              <a:rPr lang="en-US" sz="2400" dirty="0" err="1">
+                <a:latin typeface="+mj-lt"/>
+                <a:cs typeface="Tahoma" charset="0"/>
+              </a:rPr>
+              <a:t>riêng</a:t>
+            </a:r>
+            <a:r>
+              <a:rPr lang="en-US" sz="2400" dirty="0">
+                <a:latin typeface="+mj-lt"/>
+                <a:cs typeface="Tahoma" charset="0"/>
+              </a:rPr>
+              <a:t> </a:t>
+            </a:r>
+            <a:r>
+              <a:rPr lang="en-US" sz="2400" dirty="0" err="1">
+                <a:latin typeface="+mj-lt"/>
+                <a:cs typeface="Tahoma" charset="0"/>
+              </a:rPr>
+              <a:t>nó</a:t>
+            </a:r>
+            <a:r>
+              <a:rPr lang="en-US" sz="2400" dirty="0">
+                <a:latin typeface="+mj-lt"/>
+                <a:cs typeface="Tahoma" charset="0"/>
+              </a:rPr>
+              <a:t>. </a:t>
+            </a:r>
+            <a:r>
+              <a:rPr lang="en-US" sz="2400" dirty="0" err="1">
+                <a:latin typeface="+mj-lt"/>
+                <a:cs typeface="Tahoma" charset="0"/>
+              </a:rPr>
+              <a:t>Nếu</a:t>
+            </a:r>
+            <a:r>
+              <a:rPr lang="en-US" sz="2400" dirty="0">
+                <a:latin typeface="+mj-lt"/>
+                <a:cs typeface="Tahoma" charset="0"/>
+              </a:rPr>
+              <a:t> </a:t>
+            </a:r>
+            <a:r>
+              <a:rPr lang="en-US" sz="2400" dirty="0" err="1">
+                <a:latin typeface="+mj-lt"/>
+                <a:cs typeface="Tahoma" charset="0"/>
+              </a:rPr>
+              <a:t>ngôn</a:t>
+            </a:r>
+            <a:r>
+              <a:rPr lang="en-US" sz="2400" dirty="0">
+                <a:latin typeface="+mj-lt"/>
+                <a:cs typeface="Tahoma" charset="0"/>
+              </a:rPr>
+              <a:t> </a:t>
+            </a:r>
+            <a:r>
+              <a:rPr lang="en-US" sz="2400" dirty="0" err="1">
+                <a:latin typeface="+mj-lt"/>
+                <a:cs typeface="Tahoma" charset="0"/>
+              </a:rPr>
+              <a:t>ngữ</a:t>
+            </a:r>
+            <a:r>
+              <a:rPr lang="en-US" sz="2400" dirty="0">
+                <a:latin typeface="+mj-lt"/>
+                <a:cs typeface="Tahoma" charset="0"/>
+              </a:rPr>
+              <a:t> </a:t>
+            </a:r>
+            <a:r>
+              <a:rPr lang="en-US" sz="2400" dirty="0" err="1">
+                <a:latin typeface="+mj-lt"/>
+                <a:cs typeface="Tahoma" charset="0"/>
+              </a:rPr>
+              <a:t>không</a:t>
+            </a:r>
+            <a:r>
+              <a:rPr lang="en-US" sz="2400" dirty="0">
+                <a:latin typeface="+mj-lt"/>
+                <a:cs typeface="Tahoma" charset="0"/>
+              </a:rPr>
+              <a:t> </a:t>
+            </a:r>
+            <a:r>
+              <a:rPr lang="en-US" sz="2400" dirty="0" err="1">
+                <a:latin typeface="+mj-lt"/>
+                <a:cs typeface="Tahoma" charset="0"/>
+              </a:rPr>
+              <a:t>hỗ</a:t>
+            </a:r>
+            <a:r>
+              <a:rPr lang="en-US" sz="2400" dirty="0">
+                <a:latin typeface="+mj-lt"/>
+                <a:cs typeface="Tahoma" charset="0"/>
+              </a:rPr>
+              <a:t> </a:t>
+            </a:r>
+            <a:r>
+              <a:rPr lang="en-US" sz="2400" dirty="0" err="1">
+                <a:latin typeface="+mj-lt"/>
+                <a:cs typeface="Tahoma" charset="0"/>
+              </a:rPr>
+              <a:t>trợ</a:t>
+            </a:r>
+            <a:r>
+              <a:rPr lang="en-US" sz="2400" dirty="0">
+                <a:latin typeface="+mj-lt"/>
+                <a:cs typeface="Tahoma" charset="0"/>
+              </a:rPr>
+              <a:t> overload </a:t>
+            </a:r>
+            <a:r>
+              <a:rPr lang="en-US" sz="2400" dirty="0" err="1">
+                <a:latin typeface="+mj-lt"/>
+                <a:cs typeface="Tahoma" charset="0"/>
+              </a:rPr>
+              <a:t>phương</a:t>
+            </a:r>
+            <a:r>
+              <a:rPr lang="en-US" sz="2400" dirty="0">
+                <a:latin typeface="+mj-lt"/>
+                <a:cs typeface="Tahoma" charset="0"/>
+              </a:rPr>
+              <a:t> </a:t>
+            </a:r>
+            <a:r>
+              <a:rPr lang="en-US" sz="2400" dirty="0" err="1">
+                <a:latin typeface="+mj-lt"/>
+                <a:cs typeface="Tahoma" charset="0"/>
+              </a:rPr>
+              <a:t>thức</a:t>
+            </a:r>
+            <a:r>
+              <a:rPr lang="en-US" sz="2400" dirty="0">
+                <a:latin typeface="+mj-lt"/>
+                <a:cs typeface="Tahoma" charset="0"/>
+              </a:rPr>
+              <a:t>, </a:t>
+            </a:r>
+            <a:r>
+              <a:rPr lang="en-US" sz="2400" dirty="0" err="1">
+                <a:solidFill>
+                  <a:srgbClr val="0000FF"/>
+                </a:solidFill>
+                <a:latin typeface="+mj-lt"/>
+                <a:cs typeface="Tahoma" charset="0"/>
+              </a:rPr>
+              <a:t>xác</a:t>
+            </a:r>
+            <a:r>
+              <a:rPr lang="en-US" sz="2400" dirty="0">
+                <a:solidFill>
+                  <a:srgbClr val="0000FF"/>
+                </a:solidFill>
+                <a:latin typeface="+mj-lt"/>
+                <a:cs typeface="Tahoma" charset="0"/>
+              </a:rPr>
+              <a:t> </a:t>
+            </a:r>
+            <a:r>
+              <a:rPr lang="en-US" sz="2400" dirty="0" err="1">
+                <a:solidFill>
+                  <a:srgbClr val="0000FF"/>
+                </a:solidFill>
+                <a:latin typeface="+mj-lt"/>
+                <a:cs typeface="Tahoma" charset="0"/>
+              </a:rPr>
+              <a:t>định</a:t>
+            </a:r>
+            <a:r>
+              <a:rPr lang="en-US" sz="2400" dirty="0">
+                <a:solidFill>
+                  <a:srgbClr val="0000FF"/>
+                </a:solidFill>
+                <a:latin typeface="+mj-lt"/>
+                <a:cs typeface="Tahoma" charset="0"/>
+              </a:rPr>
+              <a:t> </a:t>
+            </a:r>
+            <a:r>
+              <a:rPr lang="en-US" sz="2400" dirty="0" err="1">
+                <a:solidFill>
+                  <a:srgbClr val="0000FF"/>
+                </a:solidFill>
+                <a:latin typeface="+mj-lt"/>
+                <a:cs typeface="Tahoma" charset="0"/>
+              </a:rPr>
+              <a:t>phương</a:t>
+            </a:r>
+            <a:r>
+              <a:rPr lang="en-US" sz="2400" dirty="0">
+                <a:solidFill>
+                  <a:srgbClr val="0000FF"/>
+                </a:solidFill>
+                <a:latin typeface="+mj-lt"/>
+                <a:cs typeface="Tahoma" charset="0"/>
+              </a:rPr>
+              <a:t> </a:t>
+            </a:r>
+            <a:r>
+              <a:rPr lang="en-US" sz="2400" dirty="0" err="1">
+                <a:solidFill>
+                  <a:srgbClr val="0000FF"/>
+                </a:solidFill>
+                <a:latin typeface="+mj-lt"/>
+                <a:cs typeface="Tahoma" charset="0"/>
+              </a:rPr>
+              <a:t>thức</a:t>
+            </a:r>
+            <a:r>
+              <a:rPr lang="en-US" sz="2400" dirty="0">
+                <a:solidFill>
+                  <a:srgbClr val="0000FF"/>
+                </a:solidFill>
+                <a:latin typeface="+mj-lt"/>
+                <a:cs typeface="Tahoma" charset="0"/>
+              </a:rPr>
+              <a:t> </a:t>
+            </a:r>
+            <a:r>
+              <a:rPr lang="en-US" sz="2400" dirty="0" err="1">
+                <a:solidFill>
+                  <a:srgbClr val="0000FF"/>
+                </a:solidFill>
+                <a:latin typeface="+mj-lt"/>
+                <a:cs typeface="Tahoma" charset="0"/>
+              </a:rPr>
+              <a:t>đặc</a:t>
+            </a:r>
+            <a:r>
+              <a:rPr lang="en-US" sz="2400" dirty="0">
+                <a:solidFill>
+                  <a:srgbClr val="0000FF"/>
+                </a:solidFill>
+                <a:latin typeface="+mj-lt"/>
+                <a:cs typeface="Tahoma" charset="0"/>
+              </a:rPr>
+              <a:t> </a:t>
+            </a:r>
+            <a:r>
+              <a:rPr lang="en-US" sz="2400" dirty="0" err="1">
+                <a:solidFill>
+                  <a:srgbClr val="0000FF"/>
+                </a:solidFill>
+                <a:latin typeface="+mj-lt"/>
+                <a:cs typeface="Tahoma" charset="0"/>
+              </a:rPr>
+              <a:t>biệt</a:t>
+            </a:r>
+            <a:r>
+              <a:rPr lang="en-US" sz="2400" dirty="0">
+                <a:solidFill>
+                  <a:srgbClr val="0000FF"/>
+                </a:solidFill>
+                <a:latin typeface="+mj-lt"/>
+                <a:cs typeface="Tahoma" charset="0"/>
+              </a:rPr>
+              <a:t> </a:t>
+            </a:r>
+            <a:r>
+              <a:rPr lang="en-US" sz="2400" dirty="0" err="1">
+                <a:solidFill>
+                  <a:srgbClr val="0000FF"/>
+                </a:solidFill>
+                <a:latin typeface="+mj-lt"/>
+                <a:cs typeface="Tahoma" charset="0"/>
+              </a:rPr>
+              <a:t>để</a:t>
+            </a:r>
+            <a:r>
+              <a:rPr lang="en-US" sz="2400" dirty="0">
+                <a:solidFill>
+                  <a:srgbClr val="0000FF"/>
+                </a:solidFill>
+                <a:latin typeface="+mj-lt"/>
+                <a:cs typeface="Tahoma" charset="0"/>
+              </a:rPr>
+              <a:t> </a:t>
+            </a:r>
+            <a:r>
+              <a:rPr lang="en-US" sz="2400" dirty="0" err="1">
+                <a:solidFill>
+                  <a:srgbClr val="0000FF"/>
+                </a:solidFill>
+                <a:latin typeface="+mj-lt"/>
+                <a:cs typeface="Tahoma" charset="0"/>
+              </a:rPr>
+              <a:t>sao</a:t>
+            </a:r>
+            <a:r>
+              <a:rPr lang="en-US" sz="2400" dirty="0">
+                <a:solidFill>
+                  <a:srgbClr val="0000FF"/>
+                </a:solidFill>
+                <a:latin typeface="+mj-lt"/>
+                <a:cs typeface="Tahoma" charset="0"/>
+              </a:rPr>
+              <a:t> </a:t>
+            </a:r>
+            <a:r>
+              <a:rPr lang="en-US" sz="2400" dirty="0" err="1">
+                <a:solidFill>
+                  <a:srgbClr val="0000FF"/>
+                </a:solidFill>
+                <a:latin typeface="+mj-lt"/>
+                <a:cs typeface="Tahoma" charset="0"/>
+              </a:rPr>
+              <a:t>chép</a:t>
+            </a:r>
+            <a:r>
+              <a:rPr lang="en-US" sz="2400" dirty="0">
+                <a:latin typeface="+mj-lt"/>
+                <a:cs typeface="Tahoma" charset="0"/>
+              </a:rPr>
+              <a:t>. Constructor </a:t>
+            </a:r>
+            <a:r>
+              <a:rPr lang="en-US" sz="2400" dirty="0" err="1">
+                <a:latin typeface="+mj-lt"/>
+                <a:cs typeface="Tahoma" charset="0"/>
+              </a:rPr>
+              <a:t>phù</a:t>
+            </a:r>
+            <a:r>
+              <a:rPr lang="en-US" sz="2400" dirty="0">
+                <a:latin typeface="+mj-lt"/>
+                <a:cs typeface="Tahoma" charset="0"/>
+              </a:rPr>
+              <a:t> </a:t>
+            </a:r>
+            <a:r>
+              <a:rPr lang="en-US" sz="2400" dirty="0" err="1">
+                <a:latin typeface="+mj-lt"/>
+                <a:cs typeface="Tahoma" charset="0"/>
+              </a:rPr>
+              <a:t>hợp</a:t>
+            </a:r>
+            <a:r>
+              <a:rPr lang="en-US" sz="2400" dirty="0">
+                <a:latin typeface="+mj-lt"/>
+                <a:cs typeface="Tahoma" charset="0"/>
+              </a:rPr>
+              <a:t> </a:t>
+            </a:r>
+            <a:r>
+              <a:rPr lang="en-US" sz="2400" dirty="0" err="1">
+                <a:latin typeface="+mj-lt"/>
+                <a:cs typeface="Tahoma" charset="0"/>
+              </a:rPr>
+              <a:t>vì</a:t>
+            </a:r>
+            <a:r>
+              <a:rPr lang="en-US" sz="2400" dirty="0">
+                <a:latin typeface="+mj-lt"/>
+                <a:cs typeface="Tahoma" charset="0"/>
+              </a:rPr>
+              <a:t> </a:t>
+            </a:r>
+            <a:r>
+              <a:rPr lang="en-US" sz="2400" dirty="0" err="1">
+                <a:latin typeface="+mj-lt"/>
+                <a:cs typeface="Tahoma" charset="0"/>
+              </a:rPr>
+              <a:t>sẽ</a:t>
+            </a:r>
+            <a:r>
+              <a:rPr lang="en-US" sz="2400" dirty="0">
+                <a:latin typeface="+mj-lt"/>
+                <a:cs typeface="Tahoma" charset="0"/>
+              </a:rPr>
+              <a:t> </a:t>
+            </a:r>
+            <a:r>
+              <a:rPr lang="en-US" sz="2400" dirty="0" err="1">
+                <a:latin typeface="+mj-lt"/>
+                <a:cs typeface="Tahoma" charset="0"/>
+              </a:rPr>
+              <a:t>cung</a:t>
+            </a:r>
+            <a:r>
+              <a:rPr lang="en-US" sz="2400" dirty="0">
+                <a:latin typeface="+mj-lt"/>
+                <a:cs typeface="Tahoma" charset="0"/>
+              </a:rPr>
+              <a:t> </a:t>
+            </a:r>
+            <a:r>
+              <a:rPr lang="en-US" sz="2400" dirty="0" err="1">
+                <a:latin typeface="+mj-lt"/>
+                <a:cs typeface="Tahoma" charset="0"/>
+              </a:rPr>
+              <a:t>cấp</a:t>
+            </a:r>
+            <a:r>
+              <a:rPr lang="en-US" sz="2400" dirty="0">
+                <a:latin typeface="+mj-lt"/>
+                <a:cs typeface="Tahoma" charset="0"/>
+              </a:rPr>
+              <a:t> </a:t>
+            </a:r>
+            <a:r>
+              <a:rPr lang="en-US" sz="2400" dirty="0" err="1">
+                <a:latin typeface="+mj-lt"/>
+                <a:cs typeface="Tahoma" charset="0"/>
+              </a:rPr>
+              <a:t>đối</a:t>
+            </a:r>
+            <a:r>
+              <a:rPr lang="en-US" sz="2400" dirty="0">
+                <a:latin typeface="+mj-lt"/>
+                <a:cs typeface="Tahoma" charset="0"/>
+              </a:rPr>
+              <a:t> </a:t>
+            </a:r>
+            <a:r>
+              <a:rPr lang="en-US" sz="2400" dirty="0" err="1">
+                <a:latin typeface="+mj-lt"/>
+                <a:cs typeface="Tahoma" charset="0"/>
+              </a:rPr>
+              <a:t>tượng</a:t>
+            </a:r>
+            <a:r>
+              <a:rPr lang="en-US" sz="2400" dirty="0">
+                <a:latin typeface="+mj-lt"/>
+                <a:cs typeface="Tahoma" charset="0"/>
+              </a:rPr>
+              <a:t> </a:t>
+            </a:r>
+            <a:r>
+              <a:rPr lang="en-US" sz="2400" dirty="0" err="1">
+                <a:latin typeface="+mj-lt"/>
+                <a:cs typeface="Tahoma" charset="0"/>
+              </a:rPr>
+              <a:t>kết</a:t>
+            </a:r>
+            <a:r>
+              <a:rPr lang="en-US" sz="2400" dirty="0">
+                <a:latin typeface="+mj-lt"/>
+                <a:cs typeface="Tahoma" charset="0"/>
+              </a:rPr>
+              <a:t> </a:t>
+            </a:r>
+            <a:r>
+              <a:rPr lang="en-US" sz="2400" dirty="0" err="1">
+                <a:latin typeface="+mj-lt"/>
+                <a:cs typeface="Tahoma" charset="0"/>
+              </a:rPr>
+              <a:t>quả</a:t>
+            </a:r>
+            <a:r>
+              <a:rPr lang="en-US" sz="2400" dirty="0">
+                <a:latin typeface="+mj-lt"/>
+                <a:cs typeface="Tahoma" charset="0"/>
+              </a:rPr>
+              <a:t> </a:t>
+            </a:r>
+            <a:r>
+              <a:rPr lang="en-US" sz="2400" dirty="0" err="1">
+                <a:latin typeface="+mj-lt"/>
+                <a:cs typeface="Tahoma" charset="0"/>
+              </a:rPr>
+              <a:t>ngay</a:t>
+            </a:r>
+            <a:r>
+              <a:rPr lang="en-US" sz="2400" dirty="0">
+                <a:latin typeface="+mj-lt"/>
+                <a:cs typeface="Tahoma" charset="0"/>
+              </a:rPr>
+              <a:t> </a:t>
+            </a:r>
+            <a:r>
+              <a:rPr lang="en-US" sz="2400" dirty="0" err="1">
+                <a:latin typeface="+mj-lt"/>
+                <a:cs typeface="Tahoma" charset="0"/>
+              </a:rPr>
+              <a:t>khi</a:t>
+            </a:r>
+            <a:r>
+              <a:rPr lang="en-US" sz="2400" dirty="0">
+                <a:latin typeface="+mj-lt"/>
+                <a:cs typeface="Tahoma" charset="0"/>
+              </a:rPr>
+              <a:t> </a:t>
+            </a:r>
+            <a:r>
+              <a:rPr lang="en-US" sz="2400" dirty="0" err="1">
+                <a:latin typeface="+mj-lt"/>
+                <a:cs typeface="Tahoma" charset="0"/>
+              </a:rPr>
+              <a:t>gọi</a:t>
+            </a:r>
+            <a:r>
+              <a:rPr lang="en-US" sz="2400" dirty="0">
+                <a:latin typeface="+mj-lt"/>
+                <a:cs typeface="Tahoma" charset="0"/>
+              </a:rPr>
+              <a:t> </a:t>
+            </a:r>
+            <a:r>
+              <a:rPr lang="en-US" sz="2400" dirty="0" err="1">
+                <a:latin typeface="+mj-lt"/>
+                <a:cs typeface="Tahoma" charset="0"/>
+              </a:rPr>
+              <a:t>toán</a:t>
+            </a:r>
+            <a:r>
+              <a:rPr lang="en-US" sz="2400" dirty="0">
+                <a:latin typeface="+mj-lt"/>
+                <a:cs typeface="Tahoma" charset="0"/>
+              </a:rPr>
+              <a:t> </a:t>
+            </a:r>
+            <a:r>
+              <a:rPr lang="en-US" sz="2400" dirty="0" err="1">
+                <a:latin typeface="+mj-lt"/>
+                <a:cs typeface="Tahoma" charset="0"/>
+              </a:rPr>
+              <a:t>tử</a:t>
+            </a:r>
+            <a:r>
+              <a:rPr lang="en-US" sz="2400" dirty="0">
+                <a:latin typeface="+mj-lt"/>
+                <a:cs typeface="Tahoma" charset="0"/>
+              </a:rPr>
+              <a:t> new.</a:t>
+            </a:r>
+          </a:p>
+        </p:txBody>
+      </p:sp>
+    </p:spTree>
+    <p:extLst>
+      <p:ext uri="{BB962C8B-B14F-4D97-AF65-F5344CB8AC3E}">
+        <p14:creationId xmlns:p14="http://schemas.microsoft.com/office/powerpoint/2010/main" val="2385542933"/>
+      </p:ext>
+    </p:extLst>
+  </p:cSld>
+  <p:clrMapOvr>
+    <a:masterClrMapping/>
+  </p:clrMapOvr>
+  <p:transition advClick="0">
+    <p:wheel spokes="1"/>
+  </p:transition>
+  <p:timing>
+    <p:tnLst>
+      <p:par>
+        <p:cTn id="1" dur="indefinite" restart="never" nodeType="tmRoot">
+          <p:childTnLst>
+            <p:seq concurrent="1" nextAc="seek">
+              <p:cTn id="2" dur="indefinite" nodeType="mainSeq">
+                <p:childTnLst>
+                  <p:par>
+                    <p:cTn id="3" fill="hold">
+                      <p:stCondLst>
+                        <p:cond delay="indefinite"/>
+                      </p:stCondLst>
+                      <p:childTnLst>
+                        <p:par>
+                          <p:cTn id="4" fill="hold">
+                            <p:stCondLst>
+                              <p:cond delay="0"/>
+                            </p:stCondLst>
+                            <p:childTnLst>
+                              <p:par>
+                                <p:cTn id="5" presetID="42" presetClass="entr" presetSubtype="0" fill="hold" grpId="0" nodeType="clickEffect">
+                                  <p:stCondLst>
+                                    <p:cond delay="0"/>
+                                  </p:stCondLst>
+                                  <p:childTnLst>
+                                    <p:set>
+                                      <p:cBhvr>
+                                        <p:cTn id="6" dur="1" fill="hold">
+                                          <p:stCondLst>
+                                            <p:cond delay="0"/>
+                                          </p:stCondLst>
+                                        </p:cTn>
+                                        <p:tgtEl>
+                                          <p:spTgt spid="9219">
+                                            <p:bg/>
+                                          </p:spTgt>
+                                        </p:tgtEl>
+                                        <p:attrNameLst>
+                                          <p:attrName>style.visibility</p:attrName>
+                                        </p:attrNameLst>
+                                      </p:cBhvr>
+                                      <p:to>
+                                        <p:strVal val="visible"/>
+                                      </p:to>
+                                    </p:set>
+                                    <p:animEffect transition="in" filter="fade">
+                                      <p:cBhvr>
+                                        <p:cTn id="7" dur="1000"/>
+                                        <p:tgtEl>
+                                          <p:spTgt spid="9219">
+                                            <p:bg/>
+                                          </p:spTgt>
+                                        </p:tgtEl>
+                                      </p:cBhvr>
+                                    </p:animEffect>
+                                    <p:anim calcmode="lin" valueType="num">
+                                      <p:cBhvr>
+                                        <p:cTn id="8" dur="1000" fill="hold"/>
+                                        <p:tgtEl>
+                                          <p:spTgt spid="9219">
+                                            <p:bg/>
+                                          </p:spTgt>
+                                        </p:tgtEl>
+                                        <p:attrNameLst>
+                                          <p:attrName>ppt_x</p:attrName>
+                                        </p:attrNameLst>
+                                      </p:cBhvr>
+                                      <p:tavLst>
+                                        <p:tav tm="0">
+                                          <p:val>
+                                            <p:strVal val="#ppt_x"/>
+                                          </p:val>
+                                        </p:tav>
+                                        <p:tav tm="100000">
+                                          <p:val>
+                                            <p:strVal val="#ppt_x"/>
+                                          </p:val>
+                                        </p:tav>
+                                      </p:tavLst>
+                                    </p:anim>
+                                    <p:anim calcmode="lin" valueType="num">
+                                      <p:cBhvr>
+                                        <p:cTn id="9" dur="1000" fill="hold"/>
+                                        <p:tgtEl>
+                                          <p:spTgt spid="9219">
+                                            <p:bg/>
+                                          </p:spTgt>
+                                        </p:tgtEl>
+                                        <p:attrNameLst>
+                                          <p:attrName>ppt_y</p:attrName>
+                                        </p:attrNameLst>
+                                      </p:cBhvr>
+                                      <p:tavLst>
+                                        <p:tav tm="0">
+                                          <p:val>
+                                            <p:strVal val="#ppt_y+.1"/>
+                                          </p:val>
+                                        </p:tav>
+                                        <p:tav tm="100000">
+                                          <p:val>
+                                            <p:strVal val="#ppt_y"/>
+                                          </p:val>
+                                        </p:tav>
+                                      </p:tavLst>
+                                    </p:anim>
+                                  </p:childTnLst>
+                                </p:cTn>
+                              </p:par>
+                            </p:childTnLst>
+                          </p:cTn>
+                        </p:par>
+                      </p:childTnLst>
+                    </p:cTn>
+                  </p:par>
+                  <p:par>
+                    <p:cTn id="10" fill="hold">
+                      <p:stCondLst>
+                        <p:cond delay="indefinite"/>
+                      </p:stCondLst>
+                      <p:childTnLst>
+                        <p:par>
+                          <p:cTn id="11" fill="hold">
+                            <p:stCondLst>
+                              <p:cond delay="0"/>
+                            </p:stCondLst>
+                            <p:childTnLst>
+                              <p:par>
+                                <p:cTn id="12" presetID="42" presetClass="entr" presetSubtype="0" fill="hold" grpId="0" nodeType="clickEffect">
+                                  <p:stCondLst>
+                                    <p:cond delay="0"/>
+                                  </p:stCondLst>
+                                  <p:childTnLst>
+                                    <p:set>
+                                      <p:cBhvr>
+                                        <p:cTn id="13" dur="1" fill="hold">
+                                          <p:stCondLst>
+                                            <p:cond delay="0"/>
+                                          </p:stCondLst>
+                                        </p:cTn>
+                                        <p:tgtEl>
+                                          <p:spTgt spid="9219">
+                                            <p:txEl>
+                                              <p:pRg st="0" end="0"/>
+                                            </p:txEl>
+                                          </p:spTgt>
+                                        </p:tgtEl>
+                                        <p:attrNameLst>
+                                          <p:attrName>style.visibility</p:attrName>
+                                        </p:attrNameLst>
+                                      </p:cBhvr>
+                                      <p:to>
+                                        <p:strVal val="visible"/>
+                                      </p:to>
+                                    </p:set>
+                                    <p:animEffect transition="in" filter="fade">
+                                      <p:cBhvr>
+                                        <p:cTn id="14" dur="1000"/>
+                                        <p:tgtEl>
+                                          <p:spTgt spid="9219">
+                                            <p:txEl>
+                                              <p:pRg st="0" end="0"/>
+                                            </p:txEl>
+                                          </p:spTgt>
+                                        </p:tgtEl>
+                                      </p:cBhvr>
+                                    </p:animEffect>
+                                    <p:anim calcmode="lin" valueType="num">
+                                      <p:cBhvr>
+                                        <p:cTn id="15" dur="1000" fill="hold"/>
+                                        <p:tgtEl>
+                                          <p:spTgt spid="9219">
+                                            <p:txEl>
+                                              <p:pRg st="0" end="0"/>
+                                            </p:txEl>
+                                          </p:spTgt>
+                                        </p:tgtEl>
+                                        <p:attrNameLst>
+                                          <p:attrName>ppt_x</p:attrName>
+                                        </p:attrNameLst>
+                                      </p:cBhvr>
+                                      <p:tavLst>
+                                        <p:tav tm="0">
+                                          <p:val>
+                                            <p:strVal val="#ppt_x"/>
+                                          </p:val>
+                                        </p:tav>
+                                        <p:tav tm="100000">
+                                          <p:val>
+                                            <p:strVal val="#ppt_x"/>
+                                          </p:val>
+                                        </p:tav>
+                                      </p:tavLst>
+                                    </p:anim>
+                                    <p:anim calcmode="lin" valueType="num">
+                                      <p:cBhvr>
+                                        <p:cTn id="16" dur="1000" fill="hold"/>
+                                        <p:tgtEl>
+                                          <p:spTgt spid="9219">
+                                            <p:txEl>
+                                              <p:pRg st="0" end="0"/>
+                                            </p:txEl>
+                                          </p:spTgt>
+                                        </p:tgtEl>
+                                        <p:attrNameLst>
+                                          <p:attrName>ppt_y</p:attrName>
+                                        </p:attrNameLst>
+                                      </p:cBhvr>
+                                      <p:tavLst>
+                                        <p:tav tm="0">
+                                          <p:val>
+                                            <p:strVal val="#ppt_y+.1"/>
+                                          </p:val>
+                                        </p:tav>
+                                        <p:tav tm="100000">
+                                          <p:val>
+                                            <p:strVal val="#ppt_y"/>
+                                          </p:val>
+                                        </p:tav>
+                                      </p:tavLst>
+                                    </p:anim>
+                                  </p:childTnLst>
+                                </p:cTn>
+                              </p:par>
+                            </p:childTnLst>
+                          </p:cTn>
+                        </p:par>
+                      </p:childTnLst>
+                    </p:cTn>
+                  </p:par>
+                  <p:par>
+                    <p:cTn id="17" fill="hold">
+                      <p:stCondLst>
+                        <p:cond delay="indefinite"/>
+                      </p:stCondLst>
+                      <p:childTnLst>
+                        <p:par>
+                          <p:cTn id="18" fill="hold">
+                            <p:stCondLst>
+                              <p:cond delay="0"/>
+                            </p:stCondLst>
+                            <p:childTnLst>
+                              <p:par>
+                                <p:cTn id="19" presetID="42" presetClass="entr" presetSubtype="0" fill="hold" grpId="0" nodeType="clickEffect">
+                                  <p:stCondLst>
+                                    <p:cond delay="0"/>
+                                  </p:stCondLst>
+                                  <p:childTnLst>
+                                    <p:set>
+                                      <p:cBhvr>
+                                        <p:cTn id="20" dur="1" fill="hold">
+                                          <p:stCondLst>
+                                            <p:cond delay="0"/>
+                                          </p:stCondLst>
+                                        </p:cTn>
+                                        <p:tgtEl>
+                                          <p:spTgt spid="9219">
+                                            <p:txEl>
+                                              <p:pRg st="1" end="1"/>
+                                            </p:txEl>
+                                          </p:spTgt>
+                                        </p:tgtEl>
+                                        <p:attrNameLst>
+                                          <p:attrName>style.visibility</p:attrName>
+                                        </p:attrNameLst>
+                                      </p:cBhvr>
+                                      <p:to>
+                                        <p:strVal val="visible"/>
+                                      </p:to>
+                                    </p:set>
+                                    <p:animEffect transition="in" filter="fade">
+                                      <p:cBhvr>
+                                        <p:cTn id="21" dur="1000"/>
+                                        <p:tgtEl>
+                                          <p:spTgt spid="9219">
+                                            <p:txEl>
+                                              <p:pRg st="1" end="1"/>
+                                            </p:txEl>
+                                          </p:spTgt>
+                                        </p:tgtEl>
+                                      </p:cBhvr>
+                                    </p:animEffect>
+                                    <p:anim calcmode="lin" valueType="num">
+                                      <p:cBhvr>
+                                        <p:cTn id="22" dur="1000" fill="hold"/>
+                                        <p:tgtEl>
+                                          <p:spTgt spid="9219">
+                                            <p:txEl>
+                                              <p:pRg st="1" end="1"/>
+                                            </p:txEl>
+                                          </p:spTgt>
+                                        </p:tgtEl>
+                                        <p:attrNameLst>
+                                          <p:attrName>ppt_x</p:attrName>
+                                        </p:attrNameLst>
+                                      </p:cBhvr>
+                                      <p:tavLst>
+                                        <p:tav tm="0">
+                                          <p:val>
+                                            <p:strVal val="#ppt_x"/>
+                                          </p:val>
+                                        </p:tav>
+                                        <p:tav tm="100000">
+                                          <p:val>
+                                            <p:strVal val="#ppt_x"/>
+                                          </p:val>
+                                        </p:tav>
+                                      </p:tavLst>
+                                    </p:anim>
+                                    <p:anim calcmode="lin" valueType="num">
+                                      <p:cBhvr>
+                                        <p:cTn id="23" dur="1000" fill="hold"/>
+                                        <p:tgtEl>
+                                          <p:spTgt spid="9219">
+                                            <p:txEl>
+                                              <p:pRg st="1" end="1"/>
+                                            </p:txEl>
+                                          </p:spTgt>
+                                        </p:tgtEl>
+                                        <p:attrNameLst>
+                                          <p:attrName>ppt_y</p:attrName>
+                                        </p:attrNameLst>
+                                      </p:cBhvr>
+                                      <p:tavLst>
+                                        <p:tav tm="0">
+                                          <p:val>
+                                            <p:strVal val="#ppt_y+.1"/>
+                                          </p:val>
+                                        </p:tav>
+                                        <p:tav tm="100000">
+                                          <p:val>
+                                            <p:strVal val="#ppt_y"/>
+                                          </p:val>
+                                        </p:tav>
+                                      </p:tavLst>
+                                    </p:anim>
+                                  </p:childTnLst>
+                                </p:cTn>
+                              </p:par>
+                            </p:childTnLst>
+                          </p:cTn>
+                        </p:par>
+                      </p:childTnLst>
+                    </p:cTn>
+                  </p:par>
+                </p:childTnLst>
+              </p:cTn>
+              <p:prevCondLst>
+                <p:cond evt="onPrev" delay="0">
+                  <p:tgtEl>
+                    <p:sldTgt/>
+                  </p:tgtEl>
+                </p:cond>
+              </p:prevCondLst>
+              <p:nextCondLst>
+                <p:cond evt="onNext" delay="0">
+                  <p:tgtEl>
+                    <p:sldTgt/>
+                  </p:tgtEl>
+                </p:cond>
+              </p:nextCondLst>
+            </p:seq>
+          </p:childTnLst>
+        </p:cTn>
+      </p:par>
+    </p:tnLst>
+    <p:bldLst>
+      <p:bldP spid="9219" grpId="0" build="p" animBg="1"/>
+    </p:bldLst>
+  </p:timing>
+</p:sld>
+</file>
+
+<file path=ppt/slides/slide15.xml><?xml version="1.0" encoding="utf-8"?>
+<p:sld xmlns:a="http://schemas.openxmlformats.org/drawingml/2006/main" xmlns:r="http://schemas.openxmlformats.org/officeDocument/2006/relationships" xmlns:p="http://schemas.openxmlformats.org/presentationml/2006/main">
+  <p:cSld>
+    <p:spTree>
+      <p:nvGrpSpPr>
+        <p:cNvPr id="1" name="">
+          <a:extLst>
+            <a:ext uri="{FF2B5EF4-FFF2-40B4-BE49-F238E27FC236}">
               <a16:creationId xmlns:a16="http://schemas.microsoft.com/office/drawing/2014/main" id="{B9481B71-E905-4CE4-DF5C-163256243D99}"/>
             </a:ext>
           </a:extLst>
@@ -8421,7 +11292,7 @@
 </p:sld>
 </file>
 
-<file path=ppt/slides/slide11.xml><?xml version="1.0" encoding="utf-8"?>
+<file path=ppt/slides/slide16.xml><?xml version="1.0" encoding="utf-8"?>
 <p:sld xmlns:a="http://schemas.openxmlformats.org/drawingml/2006/main" xmlns:r="http://schemas.openxmlformats.org/officeDocument/2006/relationships" xmlns:p="http://schemas.openxmlformats.org/presentationml/2006/main">
   <p:cSld>
     <p:spTree>
@@ -10453,7 +13324,7 @@
 </p:sld>
 </file>
 
-<file path=ppt/slides/slide12.xml><?xml version="1.0" encoding="utf-8"?>
+<file path=ppt/slides/slide17.xml><?xml version="1.0" encoding="utf-8"?>
 <p:sld xmlns:a="http://schemas.openxmlformats.org/drawingml/2006/main" xmlns:r="http://schemas.openxmlformats.org/officeDocument/2006/relationships" xmlns:p="http://schemas.openxmlformats.org/presentationml/2006/main">
   <p:cSld>
     <p:spTree>
@@ -11137,7 +14008,7 @@
 </p:sld>
 </file>
 
-<file path=ppt/slides/slide13.xml><?xml version="1.0" encoding="utf-8"?>
+<file path=ppt/slides/slide18.xml><?xml version="1.0" encoding="utf-8"?>
 <p:sld xmlns:a="http://schemas.openxmlformats.org/drawingml/2006/main" xmlns:r="http://schemas.openxmlformats.org/officeDocument/2006/relationships" xmlns:p="http://schemas.openxmlformats.org/presentationml/2006/main">
   <p:cSld>
     <p:spTree>
@@ -13314,7 +16185,7 @@
 </p:sld>
 </file>
 
-<file path=ppt/slides/slide14.xml><?xml version="1.0" encoding="utf-8"?>
+<file path=ppt/slides/slide19.xml><?xml version="1.0" encoding="utf-8"?>
 <p:sld xmlns:a="http://schemas.openxmlformats.org/drawingml/2006/main" xmlns:r="http://schemas.openxmlformats.org/officeDocument/2006/relationships" xmlns:p="http://schemas.openxmlformats.org/presentationml/2006/main">
   <p:cSld>
     <p:spTree>
@@ -21584,7 +24455,7 @@
         <p:cNvPr id="1" name="">
           <a:extLst>
             <a:ext uri="{FF2B5EF4-FFF2-40B4-BE49-F238E27FC236}">
-              <a16:creationId xmlns:a16="http://schemas.microsoft.com/office/drawing/2014/main" id="{593D4F08-6E23-0BC3-45FE-CD569B11889D}"/>
+              <a16:creationId xmlns:a16="http://schemas.microsoft.com/office/drawing/2014/main" id="{3933434F-5078-E742-A285-432789336199}"/>
             </a:ext>
           </a:extLst>
         </p:cNvPr>
@@ -21604,7 +24475,7 @@
           <p:cNvPr id="9218" name="Rectangle 2">
             <a:extLst>
               <a:ext uri="{FF2B5EF4-FFF2-40B4-BE49-F238E27FC236}">
-                <a16:creationId xmlns:a16="http://schemas.microsoft.com/office/drawing/2014/main" id="{E91AE94A-C92C-2F7F-5A9D-5E849ADB4D50}"/>
+                <a16:creationId xmlns:a16="http://schemas.microsoft.com/office/drawing/2014/main" id="{A504C230-D44B-396B-7DCD-A57EBCD76EC1}"/>
               </a:ext>
             </a:extLst>
           </p:cNvPr>
@@ -21643,7 +24514,7 @@
                 </a:solidFill>
                 <a:cs typeface="Tahoma" charset="0"/>
               </a:rPr>
-              <a:t>5. </a:t>
+              <a:t>4. </a:t>
             </a:r>
             <a:r>
               <a:rPr lang="en-US" sz="4000" b="1" dirty="0" err="1">
@@ -21652,7 +24523,7 @@
                 </a:solidFill>
                 <a:cs typeface="Tahoma" charset="0"/>
               </a:rPr>
-              <a:t>Các</a:t>
+              <a:t>Ví</a:t>
             </a:r>
             <a:r>
               <a:rPr lang="en-US" sz="4000" b="1" dirty="0">
@@ -21670,43 +24541,7 @@
                 </a:solidFill>
                 <a:cs typeface="Tahoma" charset="0"/>
               </a:rPr>
-              <a:t>bước</a:t>
-            </a:r>
-            <a:r>
-              <a:rPr lang="en-US" sz="4000" b="1" dirty="0">
-                <a:solidFill>
-                  <a:schemeClr val="tx1"/>
-                </a:solidFill>
-                <a:cs typeface="Tahoma" charset="0"/>
-              </a:rPr>
-              <a:t> </a:t>
-            </a:r>
-            <a:r>
-              <a:rPr lang="en-US" sz="4000" b="1" dirty="0" err="1">
-                <a:solidFill>
-                  <a:schemeClr val="tx1"/>
-                </a:solidFill>
-                <a:cs typeface="Tahoma" charset="0"/>
-              </a:rPr>
-              <a:t>thực</a:t>
-            </a:r>
-            <a:r>
-              <a:rPr lang="en-US" sz="4000" b="1" dirty="0">
-                <a:solidFill>
-                  <a:schemeClr val="tx1"/>
-                </a:solidFill>
-                <a:cs typeface="Tahoma" charset="0"/>
-              </a:rPr>
-              <a:t> </a:t>
-            </a:r>
-            <a:r>
-              <a:rPr lang="en-US" sz="4000" b="1" dirty="0" err="1">
-                <a:solidFill>
-                  <a:schemeClr val="tx1"/>
-                </a:solidFill>
-                <a:cs typeface="Tahoma" charset="0"/>
-              </a:rPr>
-              <a:t>hiện</a:t>
+              <a:t>dụ</a:t>
             </a:r>
             <a:endParaRPr lang="en-US" sz="4000" b="1" dirty="0">
               <a:solidFill>
@@ -21717,1725 +24552,45 @@
           </a:p>
         </p:txBody>
       </p:sp>
-      <p:sp>
-        <p:nvSpPr>
-          <p:cNvPr id="9219" name="Rectangle 3">
+      <p:pic>
+        <p:nvPicPr>
+          <p:cNvPr id="6" name="Content Placeholder 5" descr="A screen shot of a computer code&#10;&#10;Description automatically generated">
             <a:extLst>
               <a:ext uri="{FF2B5EF4-FFF2-40B4-BE49-F238E27FC236}">
-                <a16:creationId xmlns:a16="http://schemas.microsoft.com/office/drawing/2014/main" id="{6812D99A-9F00-4341-339D-4DF92A17DF66}"/>
+                <a16:creationId xmlns:a16="http://schemas.microsoft.com/office/drawing/2014/main" id="{A906DE4D-0DD2-B3BB-5691-A89ED094EA67}"/>
               </a:ext>
             </a:extLst>
           </p:cNvPr>
-          <p:cNvSpPr>
-            <a:spLocks noGrp="1" noChangeArrowheads="1"/>
-          </p:cNvSpPr>
+          <p:cNvPicPr>
+            <a:picLocks noGrp="1" noChangeAspect="1"/>
+          </p:cNvPicPr>
           <p:nvPr>
             <p:ph idx="1"/>
           </p:nvPr>
-        </p:nvSpPr>
-        <p:spPr bwMode="auto">
+        </p:nvPicPr>
+        <p:blipFill>
+          <a:blip r:embed="rId2">
+            <a:extLst>
+              <a:ext uri="{28A0092B-C50C-407E-A947-70E740481C1C}">
+                <a14:useLocalDpi xmlns:a14="http://schemas.microsoft.com/office/drawing/2010/main" val="0"/>
+              </a:ext>
+            </a:extLst>
+          </a:blip>
+          <a:stretch>
+            <a:fillRect/>
+          </a:stretch>
+        </p:blipFill>
+        <p:spPr>
           <a:xfrm>
-            <a:off x="533400" y="1066800"/>
-            <a:ext cx="8458200" cy="5638800"/>
+            <a:off x="2388988" y="1112838"/>
+            <a:ext cx="4747024" cy="5516562"/>
           </a:xfrm>
-          <a:noFill/>
-          <a:ln>
-            <a:miter lim="800000"/>
-            <a:headEnd/>
-            <a:tailEnd/>
-          </a:ln>
         </p:spPr>
-        <p:txBody>
-          <a:bodyPr vert="horz" wrap="square" lIns="91440" tIns="45720" rIns="91440" bIns="45720" numCol="1" anchor="t" anchorCtr="0" compatLnSpc="1">
-            <a:prstTxWarp prst="textNoShape">
-              <a:avLst/>
-            </a:prstTxWarp>
-          </a:bodyPr>
-          <a:lstStyle/>
-          <a:p>
-            <a:pPr algn="just">
-              <a:lnSpc>
-                <a:spcPct val="120000"/>
-              </a:lnSpc>
-              <a:spcBef>
-                <a:spcPts val="300"/>
-              </a:spcBef>
-              <a:spcAft>
-                <a:spcPts val="300"/>
-              </a:spcAft>
-              <a:buFont typeface="Wingdings" panose="05000000000000000000" pitchFamily="2" charset="2"/>
-              <a:buChar char="v"/>
-            </a:pPr>
-            <a:r>
-              <a:rPr lang="en-US" sz="2400" dirty="0">
-                <a:latin typeface="+mj-lt"/>
-                <a:cs typeface="Tahoma" charset="0"/>
-              </a:rPr>
-              <a:t>1. </a:t>
-            </a:r>
-            <a:r>
-              <a:rPr lang="en-US" sz="2400" dirty="0" err="1">
-                <a:latin typeface="+mj-lt"/>
-                <a:cs typeface="Tahoma" charset="0"/>
-              </a:rPr>
-              <a:t>Tạo</a:t>
-            </a:r>
-            <a:r>
-              <a:rPr lang="en-US" sz="2400" dirty="0">
-                <a:latin typeface="+mj-lt"/>
-                <a:cs typeface="Tahoma" charset="0"/>
-              </a:rPr>
-              <a:t> Interface Prototype, </a:t>
-            </a:r>
-            <a:r>
-              <a:rPr lang="en-US" sz="2400" dirty="0" err="1">
-                <a:solidFill>
-                  <a:srgbClr val="0000FF"/>
-                </a:solidFill>
-                <a:latin typeface="+mj-lt"/>
-                <a:cs typeface="Tahoma" charset="0"/>
-              </a:rPr>
-              <a:t>khai</a:t>
-            </a:r>
-            <a:r>
-              <a:rPr lang="en-US" sz="2400" dirty="0">
-                <a:solidFill>
-                  <a:srgbClr val="0000FF"/>
-                </a:solidFill>
-                <a:latin typeface="+mj-lt"/>
-                <a:cs typeface="Tahoma" charset="0"/>
-              </a:rPr>
-              <a:t> </a:t>
-            </a:r>
-            <a:r>
-              <a:rPr lang="en-US" sz="2400" dirty="0" err="1">
-                <a:solidFill>
-                  <a:srgbClr val="0000FF"/>
-                </a:solidFill>
-                <a:latin typeface="+mj-lt"/>
-                <a:cs typeface="Tahoma" charset="0"/>
-              </a:rPr>
-              <a:t>báo</a:t>
-            </a:r>
-            <a:r>
-              <a:rPr lang="en-US" sz="2400" dirty="0">
-                <a:latin typeface="+mj-lt"/>
-                <a:cs typeface="Tahoma" charset="0"/>
-              </a:rPr>
-              <a:t> </a:t>
-            </a:r>
-            <a:r>
-              <a:rPr lang="en-US" sz="2400" dirty="0" err="1">
-                <a:latin typeface="+mj-lt"/>
-                <a:cs typeface="Tahoma" charset="0"/>
-              </a:rPr>
-              <a:t>phương</a:t>
-            </a:r>
-            <a:r>
-              <a:rPr lang="en-US" sz="2400" dirty="0">
-                <a:latin typeface="+mj-lt"/>
-                <a:cs typeface="Tahoma" charset="0"/>
-              </a:rPr>
-              <a:t> </a:t>
-            </a:r>
-            <a:r>
-              <a:rPr lang="en-US" sz="2400" dirty="0" err="1">
-                <a:latin typeface="+mj-lt"/>
-                <a:cs typeface="Tahoma" charset="0"/>
-              </a:rPr>
-              <a:t>thức</a:t>
-            </a:r>
-            <a:r>
-              <a:rPr lang="en-US" sz="2400" dirty="0">
-                <a:latin typeface="+mj-lt"/>
-                <a:cs typeface="Tahoma" charset="0"/>
-              </a:rPr>
-              <a:t> </a:t>
-            </a:r>
-            <a:r>
-              <a:rPr lang="en-US" sz="2400" dirty="0" err="1">
-                <a:latin typeface="+mj-lt"/>
-                <a:cs typeface="Tahoma" charset="0"/>
-              </a:rPr>
-              <a:t>nhân</a:t>
-            </a:r>
-            <a:r>
-              <a:rPr lang="en-US" sz="2400" dirty="0">
-                <a:latin typeface="+mj-lt"/>
-                <a:cs typeface="Tahoma" charset="0"/>
-              </a:rPr>
-              <a:t> </a:t>
-            </a:r>
-            <a:r>
-              <a:rPr lang="en-US" sz="2400" dirty="0" err="1">
-                <a:latin typeface="+mj-lt"/>
-                <a:cs typeface="Tahoma" charset="0"/>
-              </a:rPr>
-              <a:t>bản</a:t>
-            </a:r>
-            <a:r>
-              <a:rPr lang="en-US" sz="2400" dirty="0">
-                <a:latin typeface="+mj-lt"/>
-                <a:cs typeface="Tahoma" charset="0"/>
-              </a:rPr>
-              <a:t>. </a:t>
-            </a:r>
-            <a:r>
-              <a:rPr lang="en-US" sz="2400" dirty="0" err="1">
-                <a:latin typeface="+mj-lt"/>
-                <a:cs typeface="Tahoma" charset="0"/>
-              </a:rPr>
-              <a:t>Hoặc</a:t>
-            </a:r>
-            <a:r>
-              <a:rPr lang="en-US" sz="2400" dirty="0">
-                <a:latin typeface="+mj-lt"/>
-                <a:cs typeface="Tahoma" charset="0"/>
-              </a:rPr>
-              <a:t> </a:t>
-            </a:r>
-            <a:r>
-              <a:rPr lang="en-US" sz="2400" dirty="0" err="1">
-                <a:latin typeface="+mj-lt"/>
-                <a:cs typeface="Tahoma" charset="0"/>
-              </a:rPr>
-              <a:t>thêm</a:t>
-            </a:r>
-            <a:r>
-              <a:rPr lang="en-US" sz="2400" dirty="0">
-                <a:latin typeface="+mj-lt"/>
-                <a:cs typeface="Tahoma" charset="0"/>
-              </a:rPr>
-              <a:t> </a:t>
-            </a:r>
-            <a:r>
-              <a:rPr lang="en-US" sz="2400" dirty="0" err="1">
-                <a:latin typeface="+mj-lt"/>
-                <a:cs typeface="Tahoma" charset="0"/>
-              </a:rPr>
-              <a:t>phương</a:t>
-            </a:r>
-            <a:r>
-              <a:rPr lang="en-US" sz="2400" dirty="0">
-                <a:latin typeface="+mj-lt"/>
-                <a:cs typeface="Tahoma" charset="0"/>
-              </a:rPr>
-              <a:t> </a:t>
-            </a:r>
-            <a:r>
-              <a:rPr lang="en-US" sz="2400" dirty="0" err="1">
-                <a:latin typeface="+mj-lt"/>
-                <a:cs typeface="Tahoma" charset="0"/>
-              </a:rPr>
-              <a:t>thức</a:t>
-            </a:r>
-            <a:r>
-              <a:rPr lang="en-US" sz="2400" dirty="0">
-                <a:latin typeface="+mj-lt"/>
-                <a:cs typeface="Tahoma" charset="0"/>
-              </a:rPr>
-              <a:t> </a:t>
-            </a:r>
-            <a:r>
-              <a:rPr lang="en-US" sz="2400" dirty="0" err="1">
-                <a:latin typeface="+mj-lt"/>
-                <a:cs typeface="Tahoma" charset="0"/>
-              </a:rPr>
-              <a:t>vào</a:t>
-            </a:r>
-            <a:r>
-              <a:rPr lang="en-US" sz="2400" dirty="0">
-                <a:latin typeface="+mj-lt"/>
-                <a:cs typeface="Tahoma" charset="0"/>
-              </a:rPr>
-              <a:t> </a:t>
-            </a:r>
-            <a:r>
-              <a:rPr lang="en-US" sz="2400" dirty="0" err="1">
-                <a:latin typeface="+mj-lt"/>
-                <a:cs typeface="Tahoma" charset="0"/>
-              </a:rPr>
-              <a:t>tất</a:t>
-            </a:r>
-            <a:r>
-              <a:rPr lang="en-US" sz="2400" dirty="0">
-                <a:latin typeface="+mj-lt"/>
-                <a:cs typeface="Tahoma" charset="0"/>
-              </a:rPr>
-              <a:t> </a:t>
-            </a:r>
-            <a:r>
-              <a:rPr lang="en-US" sz="2400" dirty="0" err="1">
-                <a:latin typeface="+mj-lt"/>
-                <a:cs typeface="Tahoma" charset="0"/>
-              </a:rPr>
-              <a:t>cả</a:t>
-            </a:r>
-            <a:r>
-              <a:rPr lang="en-US" sz="2400" dirty="0">
-                <a:latin typeface="+mj-lt"/>
-                <a:cs typeface="Tahoma" charset="0"/>
-              </a:rPr>
-              <a:t> </a:t>
-            </a:r>
-            <a:r>
-              <a:rPr lang="en-US" sz="2400" dirty="0" err="1">
-                <a:latin typeface="+mj-lt"/>
-                <a:cs typeface="Tahoma" charset="0"/>
-              </a:rPr>
-              <a:t>các</a:t>
-            </a:r>
-            <a:r>
-              <a:rPr lang="en-US" sz="2400" dirty="0">
-                <a:latin typeface="+mj-lt"/>
-                <a:cs typeface="Tahoma" charset="0"/>
-              </a:rPr>
-              <a:t> </a:t>
-            </a:r>
-            <a:r>
-              <a:rPr lang="en-US" sz="2400" dirty="0" err="1">
-                <a:latin typeface="+mj-lt"/>
-                <a:cs typeface="Tahoma" charset="0"/>
-              </a:rPr>
-              <a:t>lớp</a:t>
-            </a:r>
-            <a:r>
-              <a:rPr lang="en-US" sz="2400" dirty="0">
-                <a:latin typeface="+mj-lt"/>
-                <a:cs typeface="Tahoma" charset="0"/>
-              </a:rPr>
-              <a:t> </a:t>
-            </a:r>
-            <a:r>
-              <a:rPr lang="en-US" sz="2400" dirty="0" err="1">
-                <a:latin typeface="+mj-lt"/>
-                <a:cs typeface="Tahoma" charset="0"/>
-              </a:rPr>
-              <a:t>hiện</a:t>
-            </a:r>
-            <a:r>
-              <a:rPr lang="en-US" sz="2400" dirty="0">
-                <a:latin typeface="+mj-lt"/>
-                <a:cs typeface="Tahoma" charset="0"/>
-              </a:rPr>
-              <a:t> </a:t>
-            </a:r>
-            <a:r>
-              <a:rPr lang="en-US" sz="2400" dirty="0" err="1">
-                <a:latin typeface="+mj-lt"/>
-                <a:cs typeface="Tahoma" charset="0"/>
-              </a:rPr>
-              <a:t>có</a:t>
-            </a:r>
-            <a:r>
-              <a:rPr lang="en-US" sz="2400" dirty="0">
-                <a:latin typeface="+mj-lt"/>
-                <a:cs typeface="Tahoma" charset="0"/>
-              </a:rPr>
-              <a:t>, </a:t>
-            </a:r>
-            <a:r>
-              <a:rPr lang="en-US" sz="2400" dirty="0" err="1">
-                <a:latin typeface="+mj-lt"/>
-                <a:cs typeface="Tahoma" charset="0"/>
-              </a:rPr>
-              <a:t>nếu</a:t>
-            </a:r>
-            <a:r>
-              <a:rPr lang="en-US" sz="2400" dirty="0">
-                <a:latin typeface="+mj-lt"/>
-                <a:cs typeface="Tahoma" charset="0"/>
-              </a:rPr>
-              <a:t> </a:t>
-            </a:r>
-            <a:r>
-              <a:rPr lang="en-US" sz="2400" dirty="0" err="1">
-                <a:latin typeface="+mj-lt"/>
-                <a:cs typeface="Tahoma" charset="0"/>
-              </a:rPr>
-              <a:t>bạn</a:t>
-            </a:r>
-            <a:r>
-              <a:rPr lang="en-US" sz="2400" dirty="0">
-                <a:latin typeface="+mj-lt"/>
-                <a:cs typeface="Tahoma" charset="0"/>
-              </a:rPr>
-              <a:t> </a:t>
-            </a:r>
-            <a:r>
-              <a:rPr lang="en-US" sz="2400" dirty="0" err="1">
-                <a:latin typeface="+mj-lt"/>
-                <a:cs typeface="Tahoma" charset="0"/>
-              </a:rPr>
-              <a:t>có</a:t>
-            </a:r>
-            <a:r>
-              <a:rPr lang="en-US" sz="2400" dirty="0">
-                <a:latin typeface="+mj-lt"/>
-                <a:cs typeface="Tahoma" charset="0"/>
-              </a:rPr>
-              <a:t> </a:t>
-            </a:r>
-            <a:r>
-              <a:rPr lang="en-US" sz="2400" dirty="0" err="1">
-                <a:latin typeface="+mj-lt"/>
-                <a:cs typeface="Tahoma" charset="0"/>
-              </a:rPr>
-              <a:t>phương</a:t>
-            </a:r>
-            <a:r>
-              <a:rPr lang="en-US" sz="2400" dirty="0">
-                <a:latin typeface="+mj-lt"/>
-                <a:cs typeface="Tahoma" charset="0"/>
-              </a:rPr>
-              <a:t> </a:t>
-            </a:r>
-            <a:r>
-              <a:rPr lang="en-US" sz="2400" dirty="0" err="1">
-                <a:latin typeface="+mj-lt"/>
-                <a:cs typeface="Tahoma" charset="0"/>
-              </a:rPr>
-              <a:t>thức</a:t>
-            </a:r>
-            <a:r>
-              <a:rPr lang="en-US" sz="2400" dirty="0">
-                <a:latin typeface="+mj-lt"/>
-                <a:cs typeface="Tahoma" charset="0"/>
-              </a:rPr>
-              <a:t>.</a:t>
-            </a:r>
-          </a:p>
-          <a:p>
-            <a:pPr algn="just">
-              <a:lnSpc>
-                <a:spcPct val="120000"/>
-              </a:lnSpc>
-              <a:spcBef>
-                <a:spcPts val="300"/>
-              </a:spcBef>
-              <a:spcAft>
-                <a:spcPts val="300"/>
-              </a:spcAft>
-              <a:buFont typeface="Wingdings" panose="05000000000000000000" pitchFamily="2" charset="2"/>
-              <a:buChar char="v"/>
-            </a:pPr>
-            <a:r>
-              <a:rPr lang="en-US" sz="2400" dirty="0">
-                <a:latin typeface="+mj-lt"/>
-                <a:cs typeface="Tahoma" charset="0"/>
-              </a:rPr>
-              <a:t>2. </a:t>
-            </a:r>
-            <a:r>
-              <a:rPr lang="en-US" sz="2400" dirty="0" err="1">
-                <a:latin typeface="+mj-lt"/>
-                <a:cs typeface="Tahoma" charset="0"/>
-              </a:rPr>
-              <a:t>Một</a:t>
-            </a:r>
-            <a:r>
-              <a:rPr lang="en-US" sz="2400" dirty="0">
-                <a:latin typeface="+mj-lt"/>
-                <a:cs typeface="Tahoma" charset="0"/>
-              </a:rPr>
-              <a:t> </a:t>
-            </a:r>
-            <a:r>
-              <a:rPr lang="en-US" sz="2400" dirty="0" err="1">
-                <a:latin typeface="+mj-lt"/>
-                <a:cs typeface="Tahoma" charset="0"/>
-              </a:rPr>
-              <a:t>lớp</a:t>
-            </a:r>
-            <a:r>
-              <a:rPr lang="en-US" sz="2400" dirty="0">
-                <a:latin typeface="+mj-lt"/>
-                <a:cs typeface="Tahoma" charset="0"/>
-              </a:rPr>
-              <a:t> Prototype </a:t>
-            </a:r>
-            <a:r>
-              <a:rPr lang="en-US" sz="2400" dirty="0" err="1">
-                <a:latin typeface="+mj-lt"/>
-                <a:cs typeface="Tahoma" charset="0"/>
-              </a:rPr>
-              <a:t>phải</a:t>
-            </a:r>
-            <a:r>
-              <a:rPr lang="en-US" sz="2400" dirty="0">
-                <a:latin typeface="+mj-lt"/>
-                <a:cs typeface="Tahoma" charset="0"/>
-              </a:rPr>
-              <a:t> </a:t>
-            </a:r>
-            <a:r>
-              <a:rPr lang="en-US" sz="2400" dirty="0" err="1">
-                <a:solidFill>
-                  <a:srgbClr val="0000FF"/>
-                </a:solidFill>
-                <a:latin typeface="+mj-lt"/>
-                <a:cs typeface="Tahoma" charset="0"/>
-              </a:rPr>
-              <a:t>định</a:t>
-            </a:r>
-            <a:r>
-              <a:rPr lang="en-US" sz="2400" dirty="0">
-                <a:solidFill>
-                  <a:srgbClr val="0000FF"/>
-                </a:solidFill>
-                <a:latin typeface="+mj-lt"/>
-                <a:cs typeface="Tahoma" charset="0"/>
-              </a:rPr>
-              <a:t> </a:t>
-            </a:r>
-            <a:r>
-              <a:rPr lang="en-US" sz="2400" dirty="0" err="1">
-                <a:solidFill>
-                  <a:srgbClr val="0000FF"/>
-                </a:solidFill>
-                <a:latin typeface="+mj-lt"/>
-                <a:cs typeface="Tahoma" charset="0"/>
-              </a:rPr>
-              <a:t>nghĩa</a:t>
-            </a:r>
-            <a:r>
-              <a:rPr lang="en-US" sz="2400" dirty="0">
-                <a:latin typeface="+mj-lt"/>
-                <a:cs typeface="Tahoma" charset="0"/>
-              </a:rPr>
-              <a:t> constructor </a:t>
-            </a:r>
-            <a:r>
-              <a:rPr lang="en-US" sz="2400" dirty="0" err="1">
-                <a:solidFill>
-                  <a:srgbClr val="0000FF"/>
-                </a:solidFill>
-                <a:latin typeface="+mj-lt"/>
-                <a:cs typeface="Tahoma" charset="0"/>
-              </a:rPr>
-              <a:t>chấp</a:t>
-            </a:r>
-            <a:r>
-              <a:rPr lang="en-US" sz="2400" dirty="0">
-                <a:solidFill>
-                  <a:srgbClr val="0000FF"/>
-                </a:solidFill>
-                <a:latin typeface="+mj-lt"/>
-                <a:cs typeface="Tahoma" charset="0"/>
-              </a:rPr>
-              <a:t> </a:t>
-            </a:r>
-            <a:r>
-              <a:rPr lang="en-US" sz="2400" dirty="0" err="1">
-                <a:solidFill>
-                  <a:srgbClr val="0000FF"/>
-                </a:solidFill>
-                <a:latin typeface="+mj-lt"/>
-                <a:cs typeface="Tahoma" charset="0"/>
-              </a:rPr>
-              <a:t>nhận</a:t>
-            </a:r>
-            <a:r>
-              <a:rPr lang="en-US" sz="2400" dirty="0">
-                <a:solidFill>
-                  <a:srgbClr val="0000FF"/>
-                </a:solidFill>
-                <a:latin typeface="+mj-lt"/>
-                <a:cs typeface="Tahoma" charset="0"/>
-              </a:rPr>
-              <a:t> </a:t>
-            </a:r>
-            <a:r>
-              <a:rPr lang="en-US" sz="2400" dirty="0" err="1">
-                <a:solidFill>
-                  <a:srgbClr val="0000FF"/>
-                </a:solidFill>
-                <a:latin typeface="+mj-lt"/>
-                <a:cs typeface="Tahoma" charset="0"/>
-              </a:rPr>
-              <a:t>một</a:t>
-            </a:r>
-            <a:r>
-              <a:rPr lang="en-US" sz="2400" dirty="0">
-                <a:solidFill>
-                  <a:srgbClr val="0000FF"/>
-                </a:solidFill>
-                <a:latin typeface="+mj-lt"/>
-                <a:cs typeface="Tahoma" charset="0"/>
-              </a:rPr>
-              <a:t> </a:t>
-            </a:r>
-            <a:r>
-              <a:rPr lang="en-US" sz="2400" dirty="0" err="1">
-                <a:solidFill>
-                  <a:srgbClr val="0000FF"/>
-                </a:solidFill>
-                <a:latin typeface="+mj-lt"/>
-                <a:cs typeface="Tahoma" charset="0"/>
-              </a:rPr>
-              <a:t>đối</a:t>
-            </a:r>
-            <a:r>
-              <a:rPr lang="en-US" sz="2400" dirty="0">
-                <a:solidFill>
-                  <a:srgbClr val="0000FF"/>
-                </a:solidFill>
-                <a:latin typeface="+mj-lt"/>
-                <a:cs typeface="Tahoma" charset="0"/>
-              </a:rPr>
-              <a:t> </a:t>
-            </a:r>
-            <a:r>
-              <a:rPr lang="en-US" sz="2400" dirty="0" err="1">
-                <a:solidFill>
-                  <a:srgbClr val="0000FF"/>
-                </a:solidFill>
-                <a:latin typeface="+mj-lt"/>
-                <a:cs typeface="Tahoma" charset="0"/>
-              </a:rPr>
-              <a:t>tượng</a:t>
-            </a:r>
-            <a:r>
-              <a:rPr lang="en-US" sz="2400" dirty="0">
-                <a:solidFill>
-                  <a:srgbClr val="0000FF"/>
-                </a:solidFill>
-                <a:latin typeface="+mj-lt"/>
-                <a:cs typeface="Tahoma" charset="0"/>
-              </a:rPr>
-              <a:t> </a:t>
-            </a:r>
-            <a:r>
-              <a:rPr lang="en-US" sz="2400" dirty="0" err="1">
-                <a:solidFill>
-                  <a:srgbClr val="0000FF"/>
-                </a:solidFill>
-                <a:latin typeface="+mj-lt"/>
-                <a:cs typeface="Tahoma" charset="0"/>
-              </a:rPr>
-              <a:t>lớp</a:t>
-            </a:r>
-            <a:r>
-              <a:rPr lang="en-US" sz="2400" dirty="0">
-                <a:solidFill>
-                  <a:srgbClr val="0000FF"/>
-                </a:solidFill>
-                <a:latin typeface="+mj-lt"/>
-                <a:cs typeface="Tahoma" charset="0"/>
-              </a:rPr>
-              <a:t> </a:t>
-            </a:r>
-            <a:r>
-              <a:rPr lang="en-US" sz="2400" dirty="0" err="1">
-                <a:solidFill>
-                  <a:srgbClr val="0000FF"/>
-                </a:solidFill>
-                <a:latin typeface="+mj-lt"/>
-                <a:cs typeface="Tahoma" charset="0"/>
-              </a:rPr>
-              <a:t>đó</a:t>
-            </a:r>
-            <a:r>
-              <a:rPr lang="en-US" sz="2400" dirty="0">
-                <a:solidFill>
-                  <a:srgbClr val="0000FF"/>
-                </a:solidFill>
-                <a:latin typeface="+mj-lt"/>
-                <a:cs typeface="Tahoma" charset="0"/>
-              </a:rPr>
-              <a:t> </a:t>
-            </a:r>
-            <a:r>
-              <a:rPr lang="en-US" sz="2400" dirty="0" err="1">
-                <a:solidFill>
-                  <a:srgbClr val="0000FF"/>
-                </a:solidFill>
-                <a:latin typeface="+mj-lt"/>
-                <a:cs typeface="Tahoma" charset="0"/>
-              </a:rPr>
-              <a:t>làm</a:t>
-            </a:r>
-            <a:r>
-              <a:rPr lang="en-US" sz="2400" dirty="0">
-                <a:solidFill>
-                  <a:srgbClr val="0000FF"/>
-                </a:solidFill>
-                <a:latin typeface="+mj-lt"/>
-                <a:cs typeface="Tahoma" charset="0"/>
-              </a:rPr>
-              <a:t> </a:t>
-            </a:r>
-            <a:r>
-              <a:rPr lang="en-US" sz="2400" dirty="0" err="1">
-                <a:solidFill>
-                  <a:srgbClr val="0000FF"/>
-                </a:solidFill>
-                <a:latin typeface="+mj-lt"/>
-                <a:cs typeface="Tahoma" charset="0"/>
-              </a:rPr>
-              <a:t>đối</a:t>
-            </a:r>
-            <a:r>
-              <a:rPr lang="en-US" sz="2400" dirty="0">
-                <a:solidFill>
-                  <a:srgbClr val="0000FF"/>
-                </a:solidFill>
-                <a:latin typeface="+mj-lt"/>
-                <a:cs typeface="Tahoma" charset="0"/>
-              </a:rPr>
-              <a:t> </a:t>
-            </a:r>
-            <a:r>
-              <a:rPr lang="en-US" sz="2400" dirty="0" err="1">
-                <a:solidFill>
-                  <a:srgbClr val="0000FF"/>
-                </a:solidFill>
-                <a:latin typeface="+mj-lt"/>
-                <a:cs typeface="Tahoma" charset="0"/>
-              </a:rPr>
-              <a:t>số</a:t>
-            </a:r>
-            <a:r>
-              <a:rPr lang="en-US" sz="2400" dirty="0">
-                <a:latin typeface="+mj-lt"/>
-                <a:cs typeface="Tahoma" charset="0"/>
-              </a:rPr>
-              <a:t>. Constructor </a:t>
-            </a:r>
-            <a:r>
-              <a:rPr lang="en-US" sz="2400" dirty="0" err="1">
-                <a:latin typeface="+mj-lt"/>
-                <a:cs typeface="Tahoma" charset="0"/>
-              </a:rPr>
-              <a:t>phải</a:t>
-            </a:r>
-            <a:r>
-              <a:rPr lang="en-US" sz="2400" dirty="0">
-                <a:latin typeface="+mj-lt"/>
-                <a:cs typeface="Tahoma" charset="0"/>
-              </a:rPr>
-              <a:t> </a:t>
-            </a:r>
-            <a:r>
-              <a:rPr lang="en-US" sz="2400" dirty="0" err="1">
-                <a:solidFill>
-                  <a:srgbClr val="0000FF"/>
-                </a:solidFill>
-                <a:latin typeface="+mj-lt"/>
-                <a:cs typeface="Tahoma" charset="0"/>
-              </a:rPr>
-              <a:t>sao</a:t>
-            </a:r>
-            <a:r>
-              <a:rPr lang="en-US" sz="2400" dirty="0">
-                <a:solidFill>
-                  <a:srgbClr val="0000FF"/>
-                </a:solidFill>
-                <a:latin typeface="+mj-lt"/>
-                <a:cs typeface="Tahoma" charset="0"/>
-              </a:rPr>
-              <a:t> </a:t>
-            </a:r>
-            <a:r>
-              <a:rPr lang="en-US" sz="2400" dirty="0" err="1">
-                <a:solidFill>
-                  <a:srgbClr val="0000FF"/>
-                </a:solidFill>
-                <a:latin typeface="+mj-lt"/>
-                <a:cs typeface="Tahoma" charset="0"/>
-              </a:rPr>
-              <a:t>chép</a:t>
-            </a:r>
-            <a:r>
-              <a:rPr lang="en-US" sz="2400" dirty="0">
-                <a:solidFill>
-                  <a:srgbClr val="0000FF"/>
-                </a:solidFill>
-                <a:latin typeface="+mj-lt"/>
-                <a:cs typeface="Tahoma" charset="0"/>
-              </a:rPr>
-              <a:t> </a:t>
-            </a:r>
-            <a:r>
-              <a:rPr lang="en-US" sz="2400" dirty="0" err="1">
-                <a:solidFill>
-                  <a:srgbClr val="0000FF"/>
-                </a:solidFill>
-                <a:latin typeface="+mj-lt"/>
-                <a:cs typeface="Tahoma" charset="0"/>
-              </a:rPr>
-              <a:t>tất</a:t>
-            </a:r>
-            <a:r>
-              <a:rPr lang="en-US" sz="2400" dirty="0">
-                <a:solidFill>
-                  <a:srgbClr val="0000FF"/>
-                </a:solidFill>
-                <a:latin typeface="+mj-lt"/>
-                <a:cs typeface="Tahoma" charset="0"/>
-              </a:rPr>
-              <a:t> </a:t>
-            </a:r>
-            <a:r>
-              <a:rPr lang="en-US" sz="2400" dirty="0" err="1">
-                <a:solidFill>
-                  <a:srgbClr val="0000FF"/>
-                </a:solidFill>
-                <a:latin typeface="+mj-lt"/>
-                <a:cs typeface="Tahoma" charset="0"/>
-              </a:rPr>
-              <a:t>cả</a:t>
-            </a:r>
-            <a:r>
-              <a:rPr lang="en-US" sz="2400" dirty="0">
-                <a:solidFill>
-                  <a:srgbClr val="0000FF"/>
-                </a:solidFill>
-                <a:latin typeface="+mj-lt"/>
-                <a:cs typeface="Tahoma" charset="0"/>
-              </a:rPr>
-              <a:t> </a:t>
-            </a:r>
-            <a:r>
-              <a:rPr lang="en-US" sz="2400" dirty="0" err="1">
-                <a:solidFill>
-                  <a:srgbClr val="0000FF"/>
-                </a:solidFill>
-                <a:latin typeface="+mj-lt"/>
-                <a:cs typeface="Tahoma" charset="0"/>
-              </a:rPr>
-              <a:t>các</a:t>
-            </a:r>
-            <a:r>
-              <a:rPr lang="en-US" sz="2400" dirty="0">
-                <a:solidFill>
-                  <a:srgbClr val="0000FF"/>
-                </a:solidFill>
-                <a:latin typeface="+mj-lt"/>
-                <a:cs typeface="Tahoma" charset="0"/>
-              </a:rPr>
-              <a:t> </a:t>
-            </a:r>
-            <a:r>
-              <a:rPr lang="en-US" sz="2400" dirty="0" err="1">
-                <a:solidFill>
-                  <a:srgbClr val="0000FF"/>
-                </a:solidFill>
-                <a:latin typeface="+mj-lt"/>
-                <a:cs typeface="Tahoma" charset="0"/>
-              </a:rPr>
-              <a:t>trường</a:t>
-            </a:r>
-            <a:r>
-              <a:rPr lang="en-US" sz="2400" dirty="0">
-                <a:latin typeface="+mj-lt"/>
-                <a:cs typeface="Tahoma" charset="0"/>
-              </a:rPr>
-              <a:t> </a:t>
-            </a:r>
-            <a:r>
-              <a:rPr lang="en-US" sz="2400" dirty="0" err="1">
-                <a:latin typeface="+mj-lt"/>
-                <a:cs typeface="Tahoma" charset="0"/>
-              </a:rPr>
-              <a:t>từ</a:t>
-            </a:r>
-            <a:r>
-              <a:rPr lang="en-US" sz="2400" dirty="0">
-                <a:latin typeface="+mj-lt"/>
-                <a:cs typeface="Tahoma" charset="0"/>
-              </a:rPr>
-              <a:t> </a:t>
-            </a:r>
-            <a:r>
-              <a:rPr lang="en-US" sz="2400" dirty="0" err="1">
-                <a:latin typeface="+mj-lt"/>
-                <a:cs typeface="Tahoma" charset="0"/>
-              </a:rPr>
-              <a:t>đối</a:t>
-            </a:r>
-            <a:r>
-              <a:rPr lang="en-US" sz="2400" dirty="0">
-                <a:latin typeface="+mj-lt"/>
-                <a:cs typeface="Tahoma" charset="0"/>
-              </a:rPr>
-              <a:t> </a:t>
-            </a:r>
-            <a:r>
-              <a:rPr lang="en-US" sz="2400" dirty="0" err="1">
-                <a:latin typeface="+mj-lt"/>
-                <a:cs typeface="Tahoma" charset="0"/>
-              </a:rPr>
-              <a:t>tượng</a:t>
-            </a:r>
-            <a:r>
-              <a:rPr lang="en-US" sz="2400" dirty="0">
-                <a:latin typeface="+mj-lt"/>
-                <a:cs typeface="Tahoma" charset="0"/>
-              </a:rPr>
-              <a:t> </a:t>
-            </a:r>
-            <a:r>
-              <a:rPr lang="en-US" sz="2400" dirty="0" err="1">
-                <a:latin typeface="+mj-lt"/>
-                <a:cs typeface="Tahoma" charset="0"/>
-              </a:rPr>
-              <a:t>truyền</a:t>
-            </a:r>
-            <a:r>
-              <a:rPr lang="en-US" sz="2400" dirty="0">
-                <a:latin typeface="+mj-lt"/>
-                <a:cs typeface="Tahoma" charset="0"/>
-              </a:rPr>
-              <a:t> </a:t>
-            </a:r>
-            <a:r>
-              <a:rPr lang="en-US" sz="2400" dirty="0" err="1">
-                <a:latin typeface="+mj-lt"/>
-                <a:cs typeface="Tahoma" charset="0"/>
-              </a:rPr>
-              <a:t>vào</a:t>
-            </a:r>
-            <a:r>
-              <a:rPr lang="en-US" sz="2400" dirty="0">
-                <a:latin typeface="+mj-lt"/>
-                <a:cs typeface="Tahoma" charset="0"/>
-              </a:rPr>
-              <a:t> qua </a:t>
-            </a:r>
-            <a:r>
-              <a:rPr lang="en-US" sz="2400" dirty="0" err="1">
-                <a:latin typeface="+mj-lt"/>
-                <a:cs typeface="Tahoma" charset="0"/>
-              </a:rPr>
-              <a:t>đối</a:t>
-            </a:r>
-            <a:r>
-              <a:rPr lang="en-US" sz="2400" dirty="0">
-                <a:latin typeface="+mj-lt"/>
-                <a:cs typeface="Tahoma" charset="0"/>
-              </a:rPr>
-              <a:t> </a:t>
-            </a:r>
-            <a:r>
-              <a:rPr lang="en-US" sz="2400" dirty="0" err="1">
-                <a:latin typeface="+mj-lt"/>
-                <a:cs typeface="Tahoma" charset="0"/>
-              </a:rPr>
-              <a:t>tượng</a:t>
-            </a:r>
-            <a:r>
-              <a:rPr lang="en-US" sz="2400" dirty="0">
-                <a:latin typeface="+mj-lt"/>
-                <a:cs typeface="Tahoma" charset="0"/>
-              </a:rPr>
-              <a:t> </a:t>
-            </a:r>
-            <a:r>
-              <a:rPr lang="en-US" sz="2400" dirty="0" err="1">
-                <a:latin typeface="+mj-lt"/>
-                <a:cs typeface="Tahoma" charset="0"/>
-              </a:rPr>
-              <a:t>mới</a:t>
-            </a:r>
-            <a:r>
-              <a:rPr lang="en-US" sz="2400" dirty="0">
-                <a:latin typeface="+mj-lt"/>
-                <a:cs typeface="Tahoma" charset="0"/>
-              </a:rPr>
-              <a:t> </a:t>
-            </a:r>
-            <a:r>
-              <a:rPr lang="en-US" sz="2400" dirty="0" err="1">
-                <a:latin typeface="+mj-lt"/>
-                <a:cs typeface="Tahoma" charset="0"/>
-              </a:rPr>
-              <a:t>được</a:t>
-            </a:r>
-            <a:r>
-              <a:rPr lang="en-US" sz="2400" dirty="0">
-                <a:latin typeface="+mj-lt"/>
-                <a:cs typeface="Tahoma" charset="0"/>
-              </a:rPr>
-              <a:t> </a:t>
-            </a:r>
-            <a:r>
-              <a:rPr lang="en-US" sz="2400" dirty="0" err="1">
-                <a:latin typeface="+mj-lt"/>
-                <a:cs typeface="Tahoma" charset="0"/>
-              </a:rPr>
-              <a:t>tạo</a:t>
-            </a:r>
-            <a:r>
-              <a:rPr lang="en-US" sz="2400" dirty="0">
-                <a:latin typeface="+mj-lt"/>
-                <a:cs typeface="Tahoma" charset="0"/>
-              </a:rPr>
-              <a:t>. </a:t>
-            </a:r>
-            <a:r>
-              <a:rPr lang="en-US" sz="2400" dirty="0" err="1">
-                <a:latin typeface="+mj-lt"/>
-                <a:cs typeface="Tahoma" charset="0"/>
-              </a:rPr>
-              <a:t>Nếu</a:t>
-            </a:r>
-            <a:r>
-              <a:rPr lang="en-US" sz="2400" dirty="0">
-                <a:latin typeface="+mj-lt"/>
-                <a:cs typeface="Tahoma" charset="0"/>
-              </a:rPr>
-              <a:t> </a:t>
-            </a:r>
-            <a:r>
-              <a:rPr lang="en-US" sz="2400" dirty="0" err="1">
-                <a:latin typeface="+mj-lt"/>
-                <a:cs typeface="Tahoma" charset="0"/>
-              </a:rPr>
-              <a:t>thay</a:t>
-            </a:r>
-            <a:r>
-              <a:rPr lang="en-US" sz="2400" dirty="0">
-                <a:latin typeface="+mj-lt"/>
-                <a:cs typeface="Tahoma" charset="0"/>
-              </a:rPr>
-              <a:t> </a:t>
-            </a:r>
-            <a:r>
-              <a:rPr lang="en-US" sz="2400" dirty="0" err="1">
-                <a:latin typeface="+mj-lt"/>
-                <a:cs typeface="Tahoma" charset="0"/>
-              </a:rPr>
-              <a:t>đổi</a:t>
-            </a:r>
-            <a:r>
-              <a:rPr lang="en-US" sz="2400" dirty="0">
-                <a:latin typeface="+mj-lt"/>
-                <a:cs typeface="Tahoma" charset="0"/>
-              </a:rPr>
-              <a:t> </a:t>
-            </a:r>
-            <a:r>
-              <a:rPr lang="en-US" sz="2400" dirty="0" err="1">
-                <a:latin typeface="+mj-lt"/>
-                <a:cs typeface="Tahoma" charset="0"/>
-              </a:rPr>
-              <a:t>lớp</a:t>
-            </a:r>
-            <a:r>
-              <a:rPr lang="en-US" sz="2400" dirty="0">
-                <a:latin typeface="+mj-lt"/>
-                <a:cs typeface="Tahoma" charset="0"/>
-              </a:rPr>
-              <a:t> con, </a:t>
-            </a:r>
-            <a:r>
-              <a:rPr lang="en-US" sz="2400" dirty="0" err="1">
-                <a:solidFill>
-                  <a:srgbClr val="0000FF"/>
-                </a:solidFill>
-                <a:latin typeface="+mj-lt"/>
-                <a:cs typeface="Tahoma" charset="0"/>
-              </a:rPr>
-              <a:t>phải</a:t>
-            </a:r>
-            <a:r>
-              <a:rPr lang="en-US" sz="2400" dirty="0">
-                <a:solidFill>
-                  <a:srgbClr val="0000FF"/>
-                </a:solidFill>
-                <a:latin typeface="+mj-lt"/>
-                <a:cs typeface="Tahoma" charset="0"/>
-              </a:rPr>
-              <a:t> </a:t>
-            </a:r>
-            <a:r>
-              <a:rPr lang="en-US" sz="2400" dirty="0" err="1">
-                <a:solidFill>
-                  <a:srgbClr val="0000FF"/>
-                </a:solidFill>
-                <a:latin typeface="+mj-lt"/>
-                <a:cs typeface="Tahoma" charset="0"/>
-              </a:rPr>
-              <a:t>gọi</a:t>
-            </a:r>
-            <a:r>
-              <a:rPr lang="en-US" sz="2400" dirty="0">
-                <a:solidFill>
-                  <a:srgbClr val="0000FF"/>
-                </a:solidFill>
-                <a:latin typeface="+mj-lt"/>
-                <a:cs typeface="Tahoma" charset="0"/>
-              </a:rPr>
-              <a:t> constructor cha</a:t>
-            </a:r>
-            <a:r>
-              <a:rPr lang="en-US" sz="2400" dirty="0">
-                <a:latin typeface="+mj-lt"/>
-                <a:cs typeface="Tahoma" charset="0"/>
-              </a:rPr>
-              <a:t> </a:t>
-            </a:r>
-            <a:r>
-              <a:rPr lang="en-US" sz="2400" dirty="0" err="1">
-                <a:latin typeface="+mj-lt"/>
-                <a:cs typeface="Tahoma" charset="0"/>
-              </a:rPr>
-              <a:t>để</a:t>
-            </a:r>
-            <a:r>
-              <a:rPr lang="en-US" sz="2400" dirty="0">
-                <a:latin typeface="+mj-lt"/>
-                <a:cs typeface="Tahoma" charset="0"/>
-              </a:rPr>
-              <a:t> </a:t>
-            </a:r>
-            <a:r>
-              <a:rPr lang="en-US" sz="2400" dirty="0" err="1">
-                <a:latin typeface="+mj-lt"/>
-                <a:cs typeface="Tahoma" charset="0"/>
-              </a:rPr>
-              <a:t>cho</a:t>
-            </a:r>
-            <a:r>
-              <a:rPr lang="en-US" sz="2400" dirty="0">
-                <a:latin typeface="+mj-lt"/>
-                <a:cs typeface="Tahoma" charset="0"/>
-              </a:rPr>
-              <a:t> </a:t>
-            </a:r>
-            <a:r>
-              <a:rPr lang="en-US" sz="2400" dirty="0" err="1">
-                <a:latin typeface="+mj-lt"/>
-                <a:cs typeface="Tahoma" charset="0"/>
-              </a:rPr>
-              <a:t>phép</a:t>
-            </a:r>
-            <a:r>
-              <a:rPr lang="en-US" sz="2400" dirty="0">
-                <a:latin typeface="+mj-lt"/>
-                <a:cs typeface="Tahoma" charset="0"/>
-              </a:rPr>
-              <a:t> superclass </a:t>
-            </a:r>
-            <a:r>
-              <a:rPr lang="en-US" sz="2400" dirty="0" err="1">
-                <a:latin typeface="+mj-lt"/>
-                <a:cs typeface="Tahoma" charset="0"/>
-              </a:rPr>
-              <a:t>xử</a:t>
-            </a:r>
-            <a:r>
-              <a:rPr lang="en-US" sz="2400" dirty="0">
-                <a:latin typeface="+mj-lt"/>
-                <a:cs typeface="Tahoma" charset="0"/>
-              </a:rPr>
-              <a:t> </a:t>
-            </a:r>
-            <a:r>
-              <a:rPr lang="en-US" sz="2400" dirty="0" err="1">
-                <a:latin typeface="+mj-lt"/>
-                <a:cs typeface="Tahoma" charset="0"/>
-              </a:rPr>
-              <a:t>lý</a:t>
-            </a:r>
-            <a:r>
-              <a:rPr lang="en-US" sz="2400" dirty="0">
-                <a:latin typeface="+mj-lt"/>
-                <a:cs typeface="Tahoma" charset="0"/>
-              </a:rPr>
-              <a:t> </a:t>
-            </a:r>
-            <a:r>
-              <a:rPr lang="en-US" sz="2400" dirty="0" err="1">
-                <a:latin typeface="+mj-lt"/>
-                <a:cs typeface="Tahoma" charset="0"/>
-              </a:rPr>
-              <a:t>việc</a:t>
-            </a:r>
-            <a:r>
-              <a:rPr lang="en-US" sz="2400" dirty="0">
-                <a:latin typeface="+mj-lt"/>
-                <a:cs typeface="Tahoma" charset="0"/>
-              </a:rPr>
-              <a:t> </a:t>
-            </a:r>
-            <a:r>
-              <a:rPr lang="en-US" sz="2400" dirty="0" err="1">
-                <a:latin typeface="+mj-lt"/>
-                <a:cs typeface="Tahoma" charset="0"/>
-              </a:rPr>
-              <a:t>nhân</a:t>
-            </a:r>
-            <a:r>
-              <a:rPr lang="en-US" sz="2400" dirty="0">
-                <a:latin typeface="+mj-lt"/>
-                <a:cs typeface="Tahoma" charset="0"/>
-              </a:rPr>
-              <a:t> </a:t>
-            </a:r>
-            <a:r>
-              <a:rPr lang="en-US" sz="2400" dirty="0" err="1">
-                <a:latin typeface="+mj-lt"/>
-                <a:cs typeface="Tahoma" charset="0"/>
-              </a:rPr>
-              <a:t>bản</a:t>
-            </a:r>
-            <a:r>
-              <a:rPr lang="en-US" sz="2400" dirty="0">
-                <a:latin typeface="+mj-lt"/>
-                <a:cs typeface="Tahoma" charset="0"/>
-              </a:rPr>
-              <a:t> </a:t>
-            </a:r>
-            <a:r>
-              <a:rPr lang="en-US" sz="2400" dirty="0" err="1">
-                <a:latin typeface="+mj-lt"/>
-                <a:cs typeface="Tahoma" charset="0"/>
-              </a:rPr>
-              <a:t>của</a:t>
-            </a:r>
-            <a:r>
-              <a:rPr lang="en-US" sz="2400" dirty="0">
-                <a:latin typeface="+mj-lt"/>
-                <a:cs typeface="Tahoma" charset="0"/>
-              </a:rPr>
-              <a:t> </a:t>
-            </a:r>
-            <a:r>
-              <a:rPr lang="en-US" sz="2400" dirty="0" err="1">
-                <a:latin typeface="+mj-lt"/>
-                <a:cs typeface="Tahoma" charset="0"/>
-              </a:rPr>
-              <a:t>riêng</a:t>
-            </a:r>
-            <a:r>
-              <a:rPr lang="en-US" sz="2400" dirty="0">
-                <a:latin typeface="+mj-lt"/>
-                <a:cs typeface="Tahoma" charset="0"/>
-              </a:rPr>
-              <a:t> </a:t>
-            </a:r>
-            <a:r>
-              <a:rPr lang="en-US" sz="2400" dirty="0" err="1">
-                <a:latin typeface="+mj-lt"/>
-                <a:cs typeface="Tahoma" charset="0"/>
-              </a:rPr>
-              <a:t>nó</a:t>
-            </a:r>
-            <a:r>
-              <a:rPr lang="en-US" sz="2400" dirty="0">
-                <a:latin typeface="+mj-lt"/>
-                <a:cs typeface="Tahoma" charset="0"/>
-              </a:rPr>
-              <a:t>. </a:t>
-            </a:r>
-            <a:r>
-              <a:rPr lang="en-US" sz="2400" dirty="0" err="1">
-                <a:latin typeface="+mj-lt"/>
-                <a:cs typeface="Tahoma" charset="0"/>
-              </a:rPr>
-              <a:t>Nếu</a:t>
-            </a:r>
-            <a:r>
-              <a:rPr lang="en-US" sz="2400" dirty="0">
-                <a:latin typeface="+mj-lt"/>
-                <a:cs typeface="Tahoma" charset="0"/>
-              </a:rPr>
-              <a:t> </a:t>
-            </a:r>
-            <a:r>
-              <a:rPr lang="en-US" sz="2400" dirty="0" err="1">
-                <a:latin typeface="+mj-lt"/>
-                <a:cs typeface="Tahoma" charset="0"/>
-              </a:rPr>
-              <a:t>ngôn</a:t>
-            </a:r>
-            <a:r>
-              <a:rPr lang="en-US" sz="2400" dirty="0">
-                <a:latin typeface="+mj-lt"/>
-                <a:cs typeface="Tahoma" charset="0"/>
-              </a:rPr>
-              <a:t> </a:t>
-            </a:r>
-            <a:r>
-              <a:rPr lang="en-US" sz="2400" dirty="0" err="1">
-                <a:latin typeface="+mj-lt"/>
-                <a:cs typeface="Tahoma" charset="0"/>
-              </a:rPr>
-              <a:t>ngữ</a:t>
-            </a:r>
-            <a:r>
-              <a:rPr lang="en-US" sz="2400" dirty="0">
-                <a:latin typeface="+mj-lt"/>
-                <a:cs typeface="Tahoma" charset="0"/>
-              </a:rPr>
-              <a:t> </a:t>
-            </a:r>
-            <a:r>
-              <a:rPr lang="en-US" sz="2400" dirty="0" err="1">
-                <a:latin typeface="+mj-lt"/>
-                <a:cs typeface="Tahoma" charset="0"/>
-              </a:rPr>
-              <a:t>không</a:t>
-            </a:r>
-            <a:r>
-              <a:rPr lang="en-US" sz="2400" dirty="0">
-                <a:latin typeface="+mj-lt"/>
-                <a:cs typeface="Tahoma" charset="0"/>
-              </a:rPr>
-              <a:t> </a:t>
-            </a:r>
-            <a:r>
-              <a:rPr lang="en-US" sz="2400" dirty="0" err="1">
-                <a:latin typeface="+mj-lt"/>
-                <a:cs typeface="Tahoma" charset="0"/>
-              </a:rPr>
-              <a:t>hỗ</a:t>
-            </a:r>
-            <a:r>
-              <a:rPr lang="en-US" sz="2400" dirty="0">
-                <a:latin typeface="+mj-lt"/>
-                <a:cs typeface="Tahoma" charset="0"/>
-              </a:rPr>
-              <a:t> </a:t>
-            </a:r>
-            <a:r>
-              <a:rPr lang="en-US" sz="2400" dirty="0" err="1">
-                <a:latin typeface="+mj-lt"/>
-                <a:cs typeface="Tahoma" charset="0"/>
-              </a:rPr>
-              <a:t>trợ</a:t>
-            </a:r>
-            <a:r>
-              <a:rPr lang="en-US" sz="2400" dirty="0">
-                <a:latin typeface="+mj-lt"/>
-                <a:cs typeface="Tahoma" charset="0"/>
-              </a:rPr>
-              <a:t> overload </a:t>
-            </a:r>
-            <a:r>
-              <a:rPr lang="en-US" sz="2400" dirty="0" err="1">
-                <a:latin typeface="+mj-lt"/>
-                <a:cs typeface="Tahoma" charset="0"/>
-              </a:rPr>
-              <a:t>phương</a:t>
-            </a:r>
-            <a:r>
-              <a:rPr lang="en-US" sz="2400" dirty="0">
-                <a:latin typeface="+mj-lt"/>
-                <a:cs typeface="Tahoma" charset="0"/>
-              </a:rPr>
-              <a:t> </a:t>
-            </a:r>
-            <a:r>
-              <a:rPr lang="en-US" sz="2400" dirty="0" err="1">
-                <a:latin typeface="+mj-lt"/>
-                <a:cs typeface="Tahoma" charset="0"/>
-              </a:rPr>
-              <a:t>thức</a:t>
-            </a:r>
-            <a:r>
-              <a:rPr lang="en-US" sz="2400" dirty="0">
-                <a:latin typeface="+mj-lt"/>
-                <a:cs typeface="Tahoma" charset="0"/>
-              </a:rPr>
-              <a:t>, </a:t>
-            </a:r>
-            <a:r>
-              <a:rPr lang="en-US" sz="2400" dirty="0" err="1">
-                <a:solidFill>
-                  <a:srgbClr val="0000FF"/>
-                </a:solidFill>
-                <a:latin typeface="+mj-lt"/>
-                <a:cs typeface="Tahoma" charset="0"/>
-              </a:rPr>
-              <a:t>xác</a:t>
-            </a:r>
-            <a:r>
-              <a:rPr lang="en-US" sz="2400" dirty="0">
-                <a:solidFill>
-                  <a:srgbClr val="0000FF"/>
-                </a:solidFill>
-                <a:latin typeface="+mj-lt"/>
-                <a:cs typeface="Tahoma" charset="0"/>
-              </a:rPr>
-              <a:t> </a:t>
-            </a:r>
-            <a:r>
-              <a:rPr lang="en-US" sz="2400" dirty="0" err="1">
-                <a:solidFill>
-                  <a:srgbClr val="0000FF"/>
-                </a:solidFill>
-                <a:latin typeface="+mj-lt"/>
-                <a:cs typeface="Tahoma" charset="0"/>
-              </a:rPr>
-              <a:t>định</a:t>
-            </a:r>
-            <a:r>
-              <a:rPr lang="en-US" sz="2400" dirty="0">
-                <a:solidFill>
-                  <a:srgbClr val="0000FF"/>
-                </a:solidFill>
-                <a:latin typeface="+mj-lt"/>
-                <a:cs typeface="Tahoma" charset="0"/>
-              </a:rPr>
-              <a:t> </a:t>
-            </a:r>
-            <a:r>
-              <a:rPr lang="en-US" sz="2400" dirty="0" err="1">
-                <a:solidFill>
-                  <a:srgbClr val="0000FF"/>
-                </a:solidFill>
-                <a:latin typeface="+mj-lt"/>
-                <a:cs typeface="Tahoma" charset="0"/>
-              </a:rPr>
-              <a:t>phương</a:t>
-            </a:r>
-            <a:r>
-              <a:rPr lang="en-US" sz="2400" dirty="0">
-                <a:solidFill>
-                  <a:srgbClr val="0000FF"/>
-                </a:solidFill>
-                <a:latin typeface="+mj-lt"/>
-                <a:cs typeface="Tahoma" charset="0"/>
-              </a:rPr>
-              <a:t> </a:t>
-            </a:r>
-            <a:r>
-              <a:rPr lang="en-US" sz="2400" dirty="0" err="1">
-                <a:solidFill>
-                  <a:srgbClr val="0000FF"/>
-                </a:solidFill>
-                <a:latin typeface="+mj-lt"/>
-                <a:cs typeface="Tahoma" charset="0"/>
-              </a:rPr>
-              <a:t>thức</a:t>
-            </a:r>
-            <a:r>
-              <a:rPr lang="en-US" sz="2400" dirty="0">
-                <a:solidFill>
-                  <a:srgbClr val="0000FF"/>
-                </a:solidFill>
-                <a:latin typeface="+mj-lt"/>
-                <a:cs typeface="Tahoma" charset="0"/>
-              </a:rPr>
-              <a:t> </a:t>
-            </a:r>
-            <a:r>
-              <a:rPr lang="en-US" sz="2400" dirty="0" err="1">
-                <a:solidFill>
-                  <a:srgbClr val="0000FF"/>
-                </a:solidFill>
-                <a:latin typeface="+mj-lt"/>
-                <a:cs typeface="Tahoma" charset="0"/>
-              </a:rPr>
-              <a:t>đặc</a:t>
-            </a:r>
-            <a:r>
-              <a:rPr lang="en-US" sz="2400" dirty="0">
-                <a:solidFill>
-                  <a:srgbClr val="0000FF"/>
-                </a:solidFill>
-                <a:latin typeface="+mj-lt"/>
-                <a:cs typeface="Tahoma" charset="0"/>
-              </a:rPr>
-              <a:t> </a:t>
-            </a:r>
-            <a:r>
-              <a:rPr lang="en-US" sz="2400" dirty="0" err="1">
-                <a:solidFill>
-                  <a:srgbClr val="0000FF"/>
-                </a:solidFill>
-                <a:latin typeface="+mj-lt"/>
-                <a:cs typeface="Tahoma" charset="0"/>
-              </a:rPr>
-              <a:t>biệt</a:t>
-            </a:r>
-            <a:r>
-              <a:rPr lang="en-US" sz="2400" dirty="0">
-                <a:solidFill>
-                  <a:srgbClr val="0000FF"/>
-                </a:solidFill>
-                <a:latin typeface="+mj-lt"/>
-                <a:cs typeface="Tahoma" charset="0"/>
-              </a:rPr>
-              <a:t> </a:t>
-            </a:r>
-            <a:r>
-              <a:rPr lang="en-US" sz="2400" dirty="0" err="1">
-                <a:solidFill>
-                  <a:srgbClr val="0000FF"/>
-                </a:solidFill>
-                <a:latin typeface="+mj-lt"/>
-                <a:cs typeface="Tahoma" charset="0"/>
-              </a:rPr>
-              <a:t>để</a:t>
-            </a:r>
-            <a:r>
-              <a:rPr lang="en-US" sz="2400" dirty="0">
-                <a:solidFill>
-                  <a:srgbClr val="0000FF"/>
-                </a:solidFill>
-                <a:latin typeface="+mj-lt"/>
-                <a:cs typeface="Tahoma" charset="0"/>
-              </a:rPr>
-              <a:t> </a:t>
-            </a:r>
-            <a:r>
-              <a:rPr lang="en-US" sz="2400" dirty="0" err="1">
-                <a:solidFill>
-                  <a:srgbClr val="0000FF"/>
-                </a:solidFill>
-                <a:latin typeface="+mj-lt"/>
-                <a:cs typeface="Tahoma" charset="0"/>
-              </a:rPr>
-              <a:t>sao</a:t>
-            </a:r>
-            <a:r>
-              <a:rPr lang="en-US" sz="2400" dirty="0">
-                <a:solidFill>
-                  <a:srgbClr val="0000FF"/>
-                </a:solidFill>
-                <a:latin typeface="+mj-lt"/>
-                <a:cs typeface="Tahoma" charset="0"/>
-              </a:rPr>
-              <a:t> </a:t>
-            </a:r>
-            <a:r>
-              <a:rPr lang="en-US" sz="2400" dirty="0" err="1">
-                <a:solidFill>
-                  <a:srgbClr val="0000FF"/>
-                </a:solidFill>
-                <a:latin typeface="+mj-lt"/>
-                <a:cs typeface="Tahoma" charset="0"/>
-              </a:rPr>
-              <a:t>chép</a:t>
-            </a:r>
-            <a:r>
-              <a:rPr lang="en-US" sz="2400" dirty="0">
-                <a:latin typeface="+mj-lt"/>
-                <a:cs typeface="Tahoma" charset="0"/>
-              </a:rPr>
-              <a:t>. Constructor </a:t>
-            </a:r>
-            <a:r>
-              <a:rPr lang="en-US" sz="2400" dirty="0" err="1">
-                <a:latin typeface="+mj-lt"/>
-                <a:cs typeface="Tahoma" charset="0"/>
-              </a:rPr>
-              <a:t>phù</a:t>
-            </a:r>
-            <a:r>
-              <a:rPr lang="en-US" sz="2400" dirty="0">
-                <a:latin typeface="+mj-lt"/>
-                <a:cs typeface="Tahoma" charset="0"/>
-              </a:rPr>
-              <a:t> </a:t>
-            </a:r>
-            <a:r>
-              <a:rPr lang="en-US" sz="2400" dirty="0" err="1">
-                <a:latin typeface="+mj-lt"/>
-                <a:cs typeface="Tahoma" charset="0"/>
-              </a:rPr>
-              <a:t>hợp</a:t>
-            </a:r>
-            <a:r>
-              <a:rPr lang="en-US" sz="2400" dirty="0">
-                <a:latin typeface="+mj-lt"/>
-                <a:cs typeface="Tahoma" charset="0"/>
-              </a:rPr>
-              <a:t> </a:t>
-            </a:r>
-            <a:r>
-              <a:rPr lang="en-US" sz="2400" dirty="0" err="1">
-                <a:latin typeface="+mj-lt"/>
-                <a:cs typeface="Tahoma" charset="0"/>
-              </a:rPr>
-              <a:t>vì</a:t>
-            </a:r>
-            <a:r>
-              <a:rPr lang="en-US" sz="2400" dirty="0">
-                <a:latin typeface="+mj-lt"/>
-                <a:cs typeface="Tahoma" charset="0"/>
-              </a:rPr>
-              <a:t> </a:t>
-            </a:r>
-            <a:r>
-              <a:rPr lang="en-US" sz="2400" dirty="0" err="1">
-                <a:latin typeface="+mj-lt"/>
-                <a:cs typeface="Tahoma" charset="0"/>
-              </a:rPr>
-              <a:t>sẽ</a:t>
-            </a:r>
-            <a:r>
-              <a:rPr lang="en-US" sz="2400" dirty="0">
-                <a:latin typeface="+mj-lt"/>
-                <a:cs typeface="Tahoma" charset="0"/>
-              </a:rPr>
-              <a:t> </a:t>
-            </a:r>
-            <a:r>
-              <a:rPr lang="en-US" sz="2400" dirty="0" err="1">
-                <a:latin typeface="+mj-lt"/>
-                <a:cs typeface="Tahoma" charset="0"/>
-              </a:rPr>
-              <a:t>cung</a:t>
-            </a:r>
-            <a:r>
-              <a:rPr lang="en-US" sz="2400" dirty="0">
-                <a:latin typeface="+mj-lt"/>
-                <a:cs typeface="Tahoma" charset="0"/>
-              </a:rPr>
-              <a:t> </a:t>
-            </a:r>
-            <a:r>
-              <a:rPr lang="en-US" sz="2400" dirty="0" err="1">
-                <a:latin typeface="+mj-lt"/>
-                <a:cs typeface="Tahoma" charset="0"/>
-              </a:rPr>
-              <a:t>cấp</a:t>
-            </a:r>
-            <a:r>
-              <a:rPr lang="en-US" sz="2400" dirty="0">
-                <a:latin typeface="+mj-lt"/>
-                <a:cs typeface="Tahoma" charset="0"/>
-              </a:rPr>
-              <a:t> </a:t>
-            </a:r>
-            <a:r>
-              <a:rPr lang="en-US" sz="2400" dirty="0" err="1">
-                <a:latin typeface="+mj-lt"/>
-                <a:cs typeface="Tahoma" charset="0"/>
-              </a:rPr>
-              <a:t>đối</a:t>
-            </a:r>
-            <a:r>
-              <a:rPr lang="en-US" sz="2400" dirty="0">
-                <a:latin typeface="+mj-lt"/>
-                <a:cs typeface="Tahoma" charset="0"/>
-              </a:rPr>
-              <a:t> </a:t>
-            </a:r>
-            <a:r>
-              <a:rPr lang="en-US" sz="2400" dirty="0" err="1">
-                <a:latin typeface="+mj-lt"/>
-                <a:cs typeface="Tahoma" charset="0"/>
-              </a:rPr>
-              <a:t>tượng</a:t>
-            </a:r>
-            <a:r>
-              <a:rPr lang="en-US" sz="2400" dirty="0">
-                <a:latin typeface="+mj-lt"/>
-                <a:cs typeface="Tahoma" charset="0"/>
-              </a:rPr>
-              <a:t> </a:t>
-            </a:r>
-            <a:r>
-              <a:rPr lang="en-US" sz="2400" dirty="0" err="1">
-                <a:latin typeface="+mj-lt"/>
-                <a:cs typeface="Tahoma" charset="0"/>
-              </a:rPr>
-              <a:t>kết</a:t>
-            </a:r>
-            <a:r>
-              <a:rPr lang="en-US" sz="2400" dirty="0">
-                <a:latin typeface="+mj-lt"/>
-                <a:cs typeface="Tahoma" charset="0"/>
-              </a:rPr>
-              <a:t> </a:t>
-            </a:r>
-            <a:r>
-              <a:rPr lang="en-US" sz="2400" dirty="0" err="1">
-                <a:latin typeface="+mj-lt"/>
-                <a:cs typeface="Tahoma" charset="0"/>
-              </a:rPr>
-              <a:t>quả</a:t>
-            </a:r>
-            <a:r>
-              <a:rPr lang="en-US" sz="2400" dirty="0">
-                <a:latin typeface="+mj-lt"/>
-                <a:cs typeface="Tahoma" charset="0"/>
-              </a:rPr>
-              <a:t> </a:t>
-            </a:r>
-            <a:r>
-              <a:rPr lang="en-US" sz="2400" dirty="0" err="1">
-                <a:latin typeface="+mj-lt"/>
-                <a:cs typeface="Tahoma" charset="0"/>
-              </a:rPr>
-              <a:t>ngay</a:t>
-            </a:r>
-            <a:r>
-              <a:rPr lang="en-US" sz="2400" dirty="0">
-                <a:latin typeface="+mj-lt"/>
-                <a:cs typeface="Tahoma" charset="0"/>
-              </a:rPr>
-              <a:t> </a:t>
-            </a:r>
-            <a:r>
-              <a:rPr lang="en-US" sz="2400" dirty="0" err="1">
-                <a:latin typeface="+mj-lt"/>
-                <a:cs typeface="Tahoma" charset="0"/>
-              </a:rPr>
-              <a:t>khi</a:t>
-            </a:r>
-            <a:r>
-              <a:rPr lang="en-US" sz="2400" dirty="0">
-                <a:latin typeface="+mj-lt"/>
-                <a:cs typeface="Tahoma" charset="0"/>
-              </a:rPr>
-              <a:t> </a:t>
-            </a:r>
-            <a:r>
-              <a:rPr lang="en-US" sz="2400" dirty="0" err="1">
-                <a:latin typeface="+mj-lt"/>
-                <a:cs typeface="Tahoma" charset="0"/>
-              </a:rPr>
-              <a:t>gọi</a:t>
-            </a:r>
-            <a:r>
-              <a:rPr lang="en-US" sz="2400" dirty="0">
-                <a:latin typeface="+mj-lt"/>
-                <a:cs typeface="Tahoma" charset="0"/>
-              </a:rPr>
-              <a:t> </a:t>
-            </a:r>
-            <a:r>
-              <a:rPr lang="en-US" sz="2400" dirty="0" err="1">
-                <a:latin typeface="+mj-lt"/>
-                <a:cs typeface="Tahoma" charset="0"/>
-              </a:rPr>
-              <a:t>toán</a:t>
-            </a:r>
-            <a:r>
-              <a:rPr lang="en-US" sz="2400" dirty="0">
-                <a:latin typeface="+mj-lt"/>
-                <a:cs typeface="Tahoma" charset="0"/>
-              </a:rPr>
-              <a:t> </a:t>
-            </a:r>
-            <a:r>
-              <a:rPr lang="en-US" sz="2400" dirty="0" err="1">
-                <a:latin typeface="+mj-lt"/>
-                <a:cs typeface="Tahoma" charset="0"/>
-              </a:rPr>
-              <a:t>tử</a:t>
-            </a:r>
-            <a:r>
-              <a:rPr lang="en-US" sz="2400" dirty="0">
-                <a:latin typeface="+mj-lt"/>
-                <a:cs typeface="Tahoma" charset="0"/>
-              </a:rPr>
-              <a:t> new.</a:t>
-            </a:r>
-          </a:p>
-        </p:txBody>
-      </p:sp>
+      </p:pic>
     </p:spTree>
     <p:extLst>
       <p:ext uri="{BB962C8B-B14F-4D97-AF65-F5344CB8AC3E}">
-        <p14:creationId xmlns:p14="http://schemas.microsoft.com/office/powerpoint/2010/main" val="2385542933"/>
+        <p14:creationId xmlns:p14="http://schemas.microsoft.com/office/powerpoint/2010/main" val="2480367586"/>
       </p:ext>
     </p:extLst>
   </p:cSld>
@@ -23445,376 +24600,6 @@
   <p:transition advClick="0">
     <p:wheel spokes="1"/>
   </p:transition>
-  <p:timing>
-    <p:tnLst>
-      <p:par>
-        <p:cTn id="1" dur="indefinite" restart="never" nodeType="tmRoot">
-          <p:childTnLst>
-            <p:seq concurrent="1" nextAc="seek">
-              <p:cTn id="2" dur="indefinite" nodeType="mainSeq">
-                <p:childTnLst>
-                  <p:par>
-                    <p:cTn id="3" fill="hold">
-                      <p:stCondLst>
-                        <p:cond delay="indefinite"/>
-                      </p:stCondLst>
-                      <p:childTnLst>
-                        <p:par>
-                          <p:cTn id="4" fill="hold">
-                            <p:stCondLst>
-                              <p:cond delay="0"/>
-                            </p:stCondLst>
-                            <p:childTnLst>
-                              <p:par>
-                                <p:cTn id="5" presetID="42" presetClass="entr" presetSubtype="0" fill="hold" grpId="0" nodeType="clickEffect">
-                                  <p:stCondLst>
-                                    <p:cond delay="0"/>
-                                  </p:stCondLst>
-                                  <p:childTnLst>
-                                    <p:set>
-                                      <p:cBhvr>
-                                        <p:cTn id="6" dur="1" fill="hold">
-                                          <p:stCondLst>
-                                            <p:cond delay="0"/>
-                                          </p:stCondLst>
-                                        </p:cTn>
-                                        <p:tgtEl>
-                                          <p:spTgt spid="9219">
-                                            <p:bg/>
-                                          </p:spTgt>
-                                        </p:tgtEl>
-                                        <p:attrNameLst>
-                                          <p:attrName>style.visibility</p:attrName>
-                                        </p:attrNameLst>
-                                      </p:cBhvr>
-                                      <p:to>
-                                        <p:strVal val="visible"/>
-                                      </p:to>
-                                    </p:set>
-                                    <p:animEffect transition="in" filter="fade">
-                                      <p:cBhvr>
-                                        <p:cTn id="7" dur="1000"/>
-                                        <p:tgtEl>
-                                          <p:spTgt spid="9219">
-                                            <p:bg/>
-                                          </p:spTgt>
-                                        </p:tgtEl>
-                                      </p:cBhvr>
-                                    </p:animEffect>
-                                    <p:anim calcmode="lin" valueType="num">
-                                      <p:cBhvr>
-                                        <p:cTn id="8" dur="1000" fill="hold"/>
-                                        <p:tgtEl>
-                                          <p:spTgt spid="9219">
-                                            <p:bg/>
-                                          </p:spTgt>
-                                        </p:tgtEl>
-                                        <p:attrNameLst>
-                                          <p:attrName>ppt_x</p:attrName>
-                                        </p:attrNameLst>
-                                      </p:cBhvr>
-                                      <p:tavLst>
-                                        <p:tav tm="0">
-                                          <p:val>
-                                            <p:strVal val="#ppt_x"/>
-                                          </p:val>
-                                        </p:tav>
-                                        <p:tav tm="100000">
-                                          <p:val>
-                                            <p:strVal val="#ppt_x"/>
-                                          </p:val>
-                                        </p:tav>
-                                      </p:tavLst>
-                                    </p:anim>
-                                    <p:anim calcmode="lin" valueType="num">
-                                      <p:cBhvr>
-                                        <p:cTn id="9" dur="1000" fill="hold"/>
-                                        <p:tgtEl>
-                                          <p:spTgt spid="9219">
-                                            <p:bg/>
-                                          </p:spTgt>
-                                        </p:tgtEl>
-                                        <p:attrNameLst>
-                                          <p:attrName>ppt_y</p:attrName>
-                                        </p:attrNameLst>
-                                      </p:cBhvr>
-                                      <p:tavLst>
-                                        <p:tav tm="0">
-                                          <p:val>
-                                            <p:strVal val="#ppt_y+.1"/>
-                                          </p:val>
-                                        </p:tav>
-                                        <p:tav tm="100000">
-                                          <p:val>
-                                            <p:strVal val="#ppt_y"/>
-                                          </p:val>
-                                        </p:tav>
-                                      </p:tavLst>
-                                    </p:anim>
-                                  </p:childTnLst>
-                                </p:cTn>
-                              </p:par>
-                            </p:childTnLst>
-                          </p:cTn>
-                        </p:par>
-                      </p:childTnLst>
-                    </p:cTn>
-                  </p:par>
-                  <p:par>
-                    <p:cTn id="10" fill="hold">
-                      <p:stCondLst>
-                        <p:cond delay="indefinite"/>
-                      </p:stCondLst>
-                      <p:childTnLst>
-                        <p:par>
-                          <p:cTn id="11" fill="hold">
-                            <p:stCondLst>
-                              <p:cond delay="0"/>
-                            </p:stCondLst>
-                            <p:childTnLst>
-                              <p:par>
-                                <p:cTn id="12" presetID="42" presetClass="entr" presetSubtype="0" fill="hold" grpId="0" nodeType="clickEffect">
-                                  <p:stCondLst>
-                                    <p:cond delay="0"/>
-                                  </p:stCondLst>
-                                  <p:childTnLst>
-                                    <p:set>
-                                      <p:cBhvr>
-                                        <p:cTn id="13" dur="1" fill="hold">
-                                          <p:stCondLst>
-                                            <p:cond delay="0"/>
-                                          </p:stCondLst>
-                                        </p:cTn>
-                                        <p:tgtEl>
-                                          <p:spTgt spid="9219">
-                                            <p:txEl>
-                                              <p:pRg st="0" end="0"/>
-                                            </p:txEl>
-                                          </p:spTgt>
-                                        </p:tgtEl>
-                                        <p:attrNameLst>
-                                          <p:attrName>style.visibility</p:attrName>
-                                        </p:attrNameLst>
-                                      </p:cBhvr>
-                                      <p:to>
-                                        <p:strVal val="visible"/>
-                                      </p:to>
-                                    </p:set>
-                                    <p:animEffect transition="in" filter="fade">
-                                      <p:cBhvr>
-                                        <p:cTn id="14" dur="1000"/>
-                                        <p:tgtEl>
-                                          <p:spTgt spid="9219">
-                                            <p:txEl>
-                                              <p:pRg st="0" end="0"/>
-                                            </p:txEl>
-                                          </p:spTgt>
-                                        </p:tgtEl>
-                                      </p:cBhvr>
-                                    </p:animEffect>
-                                    <p:anim calcmode="lin" valueType="num">
-                                      <p:cBhvr>
-                                        <p:cTn id="15" dur="1000" fill="hold"/>
-                                        <p:tgtEl>
-                                          <p:spTgt spid="9219">
-                                            <p:txEl>
-                                              <p:pRg st="0" end="0"/>
-                                            </p:txEl>
-                                          </p:spTgt>
-                                        </p:tgtEl>
-                                        <p:attrNameLst>
-                                          <p:attrName>ppt_x</p:attrName>
-                                        </p:attrNameLst>
-                                      </p:cBhvr>
-                                      <p:tavLst>
-                                        <p:tav tm="0">
-                                          <p:val>
-                                            <p:strVal val="#ppt_x"/>
-                                          </p:val>
-                                        </p:tav>
-                                        <p:tav tm="100000">
-                                          <p:val>
-                                            <p:strVal val="#ppt_x"/>
-                                          </p:val>
-                                        </p:tav>
-                                      </p:tavLst>
-                                    </p:anim>
-                                    <p:anim calcmode="lin" valueType="num">
-                                      <p:cBhvr>
-                                        <p:cTn id="16" dur="1000" fill="hold"/>
-                                        <p:tgtEl>
-                                          <p:spTgt spid="9219">
-                                            <p:txEl>
-                                              <p:pRg st="0" end="0"/>
-                                            </p:txEl>
-                                          </p:spTgt>
-                                        </p:tgtEl>
-                                        <p:attrNameLst>
-                                          <p:attrName>ppt_y</p:attrName>
-                                        </p:attrNameLst>
-                                      </p:cBhvr>
-                                      <p:tavLst>
-                                        <p:tav tm="0">
-                                          <p:val>
-                                            <p:strVal val="#ppt_y+.1"/>
-                                          </p:val>
-                                        </p:tav>
-                                        <p:tav tm="100000">
-                                          <p:val>
-                                            <p:strVal val="#ppt_y"/>
-                                          </p:val>
-                                        </p:tav>
-                                      </p:tavLst>
-                                    </p:anim>
-                                  </p:childTnLst>
-                                </p:cTn>
-                              </p:par>
-                            </p:childTnLst>
-                          </p:cTn>
-                        </p:par>
-                      </p:childTnLst>
-                    </p:cTn>
-                  </p:par>
-                  <p:par>
-                    <p:cTn id="17" fill="hold">
-                      <p:stCondLst>
-                        <p:cond delay="indefinite"/>
-                      </p:stCondLst>
-                      <p:childTnLst>
-                        <p:par>
-                          <p:cTn id="18" fill="hold">
-                            <p:stCondLst>
-                              <p:cond delay="0"/>
-                            </p:stCondLst>
-                            <p:childTnLst>
-                              <p:par>
-                                <p:cTn id="19" presetID="42" presetClass="entr" presetSubtype="0" fill="hold" grpId="0" nodeType="clickEffect">
-                                  <p:stCondLst>
-                                    <p:cond delay="0"/>
-                                  </p:stCondLst>
-                                  <p:childTnLst>
-                                    <p:set>
-                                      <p:cBhvr>
-                                        <p:cTn id="20" dur="1" fill="hold">
-                                          <p:stCondLst>
-                                            <p:cond delay="0"/>
-                                          </p:stCondLst>
-                                        </p:cTn>
-                                        <p:tgtEl>
-                                          <p:spTgt spid="9219">
-                                            <p:txEl>
-                                              <p:pRg st="1" end="1"/>
-                                            </p:txEl>
-                                          </p:spTgt>
-                                        </p:tgtEl>
-                                        <p:attrNameLst>
-                                          <p:attrName>style.visibility</p:attrName>
-                                        </p:attrNameLst>
-                                      </p:cBhvr>
-                                      <p:to>
-                                        <p:strVal val="visible"/>
-                                      </p:to>
-                                    </p:set>
-                                    <p:animEffect transition="in" filter="fade">
-                                      <p:cBhvr>
-                                        <p:cTn id="21" dur="1000"/>
-                                        <p:tgtEl>
-                                          <p:spTgt spid="9219">
-                                            <p:txEl>
-                                              <p:pRg st="1" end="1"/>
-                                            </p:txEl>
-                                          </p:spTgt>
-                                        </p:tgtEl>
-                                      </p:cBhvr>
-                                    </p:animEffect>
-                                    <p:anim calcmode="lin" valueType="num">
-                                      <p:cBhvr>
-                                        <p:cTn id="22" dur="1000" fill="hold"/>
-                                        <p:tgtEl>
-                                          <p:spTgt spid="9219">
-                                            <p:txEl>
-                                              <p:pRg st="1" end="1"/>
-                                            </p:txEl>
-                                          </p:spTgt>
-                                        </p:tgtEl>
-                                        <p:attrNameLst>
-                                          <p:attrName>ppt_x</p:attrName>
-                                        </p:attrNameLst>
-                                      </p:cBhvr>
-                                      <p:tavLst>
-                                        <p:tav tm="0">
-                                          <p:val>
-                                            <p:strVal val="#ppt_x"/>
-                                          </p:val>
-                                        </p:tav>
-                                        <p:tav tm="100000">
-                                          <p:val>
-                                            <p:strVal val="#ppt_x"/>
-                                          </p:val>
-                                        </p:tav>
-                                      </p:tavLst>
-                                    </p:anim>
-                                    <p:anim calcmode="lin" valueType="num">
-                                      <p:cBhvr>
-                                        <p:cTn id="23" dur="1000" fill="hold"/>
-                                        <p:tgtEl>
-                                          <p:spTgt spid="9219">
-                                            <p:txEl>
-                                              <p:pRg st="1" end="1"/>
-                                            </p:txEl>
-                                          </p:spTgt>
-                                        </p:tgtEl>
-                                        <p:attrNameLst>
-                                          <p:attrName>ppt_y</p:attrName>
-                                        </p:attrNameLst>
-                                      </p:cBhvr>
-                                      <p:tavLst>
-                                        <p:tav tm="0">
-                                          <p:val>
-                                            <p:strVal val="#ppt_y+.1"/>
-                                          </p:val>
-                                        </p:tav>
-                                        <p:tav tm="100000">
-                                          <p:val>
-                                            <p:strVal val="#ppt_y"/>
-                                          </p:val>
-                                        </p:tav>
-                                      </p:tavLst>
-                                    </p:anim>
-                                  </p:childTnLst>
-                                </p:cTn>
-                              </p:par>
-                            </p:childTnLst>
-                          </p:cTn>
-                        </p:par>
-                      </p:childTnLst>
-                    </p:cTn>
-                  </p:par>
-                </p:childTnLst>
-              </p:cTn>
-              <p:prevCondLst>
-                <p:cond evt="onPrev" delay="0">
-                  <p:tgtEl>
-                    <p:sldTgt/>
-                  </p:tgtEl>
-                </p:cond>
-              </p:prevCondLst>
-              <p:nextCondLst>
-                <p:cond evt="onNext" delay="0">
-                  <p:tgtEl>
-                    <p:sldTgt/>
-                  </p:tgtEl>
-                </p:cond>
-              </p:nextCondLst>
-            </p:seq>
-          </p:childTnLst>
-        </p:cTn>
-      </p:par>
-    </p:tnLst>
-    <p:bldLst>
-      <p:bldP spid="9219" grpId="0" build="p" animBg="1"/>
-    </p:bldLst>
-  </p:timing>
 </p:sld>
 </file>
 
